--- a/美颜相册小程序开发分享.pptx
+++ b/美颜相册小程序开发分享.pptx
@@ -3477,16 +3477,19 @@
           <a:p>
             <a:r>
               <a:rPr lang="zh-CN" altLang="en-US" sz="4800">
-                <a:ln/>
-                <a:solidFill>
-                  <a:schemeClr val="accent4">
-                    <a:lumMod val="75000"/>
-                  </a:schemeClr>
+                <a:ln w="10160">
+                  <a:solidFill>
+                    <a:schemeClr val="accent5"/>
+                  </a:solidFill>
+                  <a:prstDash val="solid"/>
+                </a:ln>
+                <a:solidFill>
+                  <a:srgbClr val="FFFFFF"/>
                 </a:solidFill>
                 <a:effectLst>
-                  <a:outerShdw blurRad="38100" dist="25400" dir="5400000" algn="ctr" rotWithShape="0">
-                    <a:srgbClr val="6E747A">
-                      <a:alpha val="43000"/>
+                  <a:outerShdw blurRad="38100" dist="22860" dir="5400000" algn="tl" rotWithShape="0">
+                    <a:srgbClr val="000000">
+                      <a:alpha val="30000"/>
                     </a:srgbClr>
                   </a:outerShdw>
                 </a:effectLst>
@@ -3496,16 +3499,19 @@
               <a:t>美颜相册小程序分享</a:t>
             </a:r>
             <a:endParaRPr lang="zh-CN" altLang="en-US" sz="4800">
-              <a:ln/>
+              <a:ln w="10160">
+                <a:solidFill>
+                  <a:schemeClr val="accent5"/>
+                </a:solidFill>
+                <a:prstDash val="solid"/>
+              </a:ln>
               <a:solidFill>
-                <a:schemeClr val="accent4">
-                  <a:lumMod val="75000"/>
-                </a:schemeClr>
+                <a:srgbClr val="FFFFFF"/>
               </a:solidFill>
               <a:effectLst>
-                <a:outerShdw blurRad="38100" dist="25400" dir="5400000" algn="ctr" rotWithShape="0">
-                  <a:srgbClr val="6E747A">
-                    <a:alpha val="43000"/>
+                <a:outerShdw blurRad="38100" dist="22860" dir="5400000" algn="tl" rotWithShape="0">
+                  <a:srgbClr val="000000">
+                    <a:alpha val="30000"/>
                   </a:srgbClr>
                 </a:outerShdw>
               </a:effectLst>
@@ -3540,9 +3546,7 @@
             <a:r>
               <a:rPr lang="zh-CN" altLang="en-US">
                 <a:solidFill>
-                  <a:schemeClr val="accent4">
-                    <a:lumMod val="75000"/>
-                  </a:schemeClr>
+                  <a:schemeClr val="bg1"/>
                 </a:solidFill>
                 <a:latin typeface="圆体-简" panose="02010600040101010101" charset="-122"/>
                 <a:ea typeface="圆体-简" panose="02010600040101010101" charset="-122"/>
@@ -3551,9 +3555,7 @@
             </a:r>
             <a:endParaRPr lang="zh-CN" altLang="en-US">
               <a:solidFill>
-                <a:schemeClr val="accent4">
-                  <a:lumMod val="75000"/>
-                </a:schemeClr>
+                <a:schemeClr val="bg1"/>
               </a:solidFill>
               <a:latin typeface="圆体-简" panose="02010600040101010101" charset="-122"/>
               <a:ea typeface="圆体-简" panose="02010600040101010101" charset="-122"/>
@@ -3664,9 +3666,7 @@
             <a:r>
               <a:rPr sz="4000">
                 <a:solidFill>
-                  <a:schemeClr val="accent4">
-                    <a:lumMod val="75000"/>
-                  </a:schemeClr>
+                  <a:schemeClr val="bg1"/>
                 </a:solidFill>
                 <a:latin typeface="圆体-简" panose="02010600040101010101" charset="-122"/>
                 <a:ea typeface="圆体-简" panose="02010600040101010101" charset="-122"/>
@@ -3675,9 +3675,7 @@
             </a:r>
             <a:endParaRPr sz="4000">
               <a:solidFill>
-                <a:schemeClr val="accent4">
-                  <a:lumMod val="75000"/>
-                </a:schemeClr>
+                <a:schemeClr val="bg1"/>
               </a:solidFill>
               <a:latin typeface="圆体-简" panose="02010600040101010101" charset="-122"/>
               <a:ea typeface="圆体-简" panose="02010600040101010101" charset="-122"/>
@@ -3714,9 +3712,7 @@
             <a:r>
               <a:rPr>
                 <a:solidFill>
-                  <a:schemeClr val="accent4">
-                    <a:lumMod val="75000"/>
-                  </a:schemeClr>
+                  <a:schemeClr val="bg1"/>
                 </a:solidFill>
                 <a:latin typeface="圆体-简" panose="02010600040101010101" charset="-122"/>
                 <a:ea typeface="圆体-简" panose="02010600040101010101" charset="-122"/>
@@ -3726,21 +3722,17 @@
             <a:r>
               <a:rPr>
                 <a:solidFill>
-                  <a:schemeClr val="accent4">
-                    <a:lumMod val="75000"/>
-                  </a:schemeClr>
-                </a:solidFill>
-                <a:latin typeface="圆体-简" panose="02010600040101010101" charset="-122"/>
-                <a:ea typeface="圆体-简" panose="02010600040101010101" charset="-122"/>
-                <a:hlinkClick r:id="rId1" tooltip="" action="ppaction://hlinkfile"/>
+                  <a:schemeClr val="bg1"/>
+                </a:solidFill>
+                <a:latin typeface="圆体-简" panose="02010600040101010101" charset="-122"/>
+                <a:ea typeface="圆体-简" panose="02010600040101010101" charset="-122"/>
+                <a:hlinkClick r:id="rId1" action="ppaction://hlinkfile"/>
               </a:rPr>
               <a:t>导入项目说明</a:t>
             </a:r>
             <a:endParaRPr>
               <a:solidFill>
-                <a:schemeClr val="accent4">
-                  <a:lumMod val="75000"/>
-                </a:schemeClr>
+                <a:schemeClr val="bg1"/>
               </a:solidFill>
               <a:latin typeface="圆体-简" panose="02010600040101010101" charset="-122"/>
               <a:ea typeface="圆体-简" panose="02010600040101010101" charset="-122"/>
@@ -3755,9 +3747,7 @@
             <a:r>
               <a:rPr>
                 <a:solidFill>
-                  <a:schemeClr val="accent4">
-                    <a:lumMod val="75000"/>
-                  </a:schemeClr>
+                  <a:schemeClr val="bg1"/>
                 </a:solidFill>
                 <a:latin typeface="圆体-简" panose="02010600040101010101" charset="-122"/>
                 <a:ea typeface="圆体-简" panose="02010600040101010101" charset="-122"/>
@@ -3767,21 +3757,17 @@
             <a:r>
               <a:rPr>
                 <a:solidFill>
-                  <a:schemeClr val="accent4">
-                    <a:lumMod val="75000"/>
-                  </a:schemeClr>
-                </a:solidFill>
-                <a:latin typeface="圆体-简" panose="02010600040101010101" charset="-122"/>
-                <a:ea typeface="圆体-简" panose="02010600040101010101" charset="-122"/>
-                <a:hlinkClick r:id="rId2" tooltip="" action="ppaction://hlinkfile"/>
+                  <a:schemeClr val="bg1"/>
+                </a:solidFill>
+                <a:latin typeface="圆体-简" panose="02010600040101010101" charset="-122"/>
+                <a:ea typeface="圆体-简" panose="02010600040101010101" charset="-122"/>
+                <a:hlinkClick r:id="rId2" action="ppaction://hlinkfile"/>
               </a:rPr>
               <a:t>https://github.com/chenyuanluck/ai-picture</a:t>
             </a:r>
             <a:endParaRPr>
               <a:solidFill>
-                <a:schemeClr val="accent4">
-                  <a:lumMod val="75000"/>
-                </a:schemeClr>
+                <a:schemeClr val="bg1"/>
               </a:solidFill>
               <a:latin typeface="圆体-简" panose="02010600040101010101" charset="-122"/>
               <a:ea typeface="圆体-简" panose="02010600040101010101" charset="-122"/>
@@ -3796,9 +3782,7 @@
             <a:r>
               <a:rPr>
                 <a:solidFill>
-                  <a:schemeClr val="accent4">
-                    <a:lumMod val="75000"/>
-                  </a:schemeClr>
+                  <a:schemeClr val="bg1"/>
                 </a:solidFill>
                 <a:latin typeface="圆体-简" panose="02010600040101010101" charset="-122"/>
                 <a:ea typeface="圆体-简" panose="02010600040101010101" charset="-122"/>
@@ -3807,9 +3791,7 @@
             </a:r>
             <a:endParaRPr>
               <a:solidFill>
-                <a:schemeClr val="accent4">
-                  <a:lumMod val="75000"/>
-                </a:schemeClr>
+                <a:schemeClr val="bg1"/>
               </a:solidFill>
               <a:latin typeface="圆体-简" panose="02010600040101010101" charset="-122"/>
               <a:ea typeface="圆体-简" panose="02010600040101010101" charset="-122"/>
@@ -3824,9 +3806,7 @@
             <a:r>
               <a:rPr>
                 <a:solidFill>
-                  <a:schemeClr val="accent4">
-                    <a:lumMod val="75000"/>
-                  </a:schemeClr>
+                  <a:schemeClr val="bg1"/>
                 </a:solidFill>
                 <a:latin typeface="圆体-简" panose="02010600040101010101" charset="-122"/>
                 <a:ea typeface="圆体-简" panose="02010600040101010101" charset="-122"/>
@@ -3835,9 +3815,7 @@
             </a:r>
             <a:endParaRPr>
               <a:solidFill>
-                <a:schemeClr val="accent4">
-                  <a:lumMod val="75000"/>
-                </a:schemeClr>
+                <a:schemeClr val="bg1"/>
               </a:solidFill>
               <a:latin typeface="圆体-简" panose="02010600040101010101" charset="-122"/>
               <a:ea typeface="圆体-简" panose="02010600040101010101" charset="-122"/>
@@ -3852,9 +3830,7 @@
             <a:r>
               <a:rPr>
                 <a:solidFill>
-                  <a:schemeClr val="accent4">
-                    <a:lumMod val="75000"/>
-                  </a:schemeClr>
+                  <a:schemeClr val="bg1"/>
                 </a:solidFill>
                 <a:latin typeface="圆体-简" panose="02010600040101010101" charset="-122"/>
                 <a:ea typeface="圆体-简" panose="02010600040101010101" charset="-122"/>
@@ -3863,9 +3839,7 @@
             </a:r>
             <a:endParaRPr>
               <a:solidFill>
-                <a:schemeClr val="accent4">
-                  <a:lumMod val="75000"/>
-                </a:schemeClr>
+                <a:schemeClr val="bg1"/>
               </a:solidFill>
               <a:latin typeface="圆体-简" panose="02010600040101010101" charset="-122"/>
               <a:ea typeface="圆体-简" panose="02010600040101010101" charset="-122"/>
@@ -3880,9 +3854,7 @@
             <a:r>
               <a:rPr>
                 <a:solidFill>
-                  <a:schemeClr val="accent4">
-                    <a:lumMod val="75000"/>
-                  </a:schemeClr>
+                  <a:schemeClr val="bg1"/>
                 </a:solidFill>
                 <a:latin typeface="圆体-简" panose="02010600040101010101" charset="-122"/>
                 <a:ea typeface="圆体-简" panose="02010600040101010101" charset="-122"/>
@@ -3891,9 +3863,7 @@
             </a:r>
             <a:endParaRPr>
               <a:solidFill>
-                <a:schemeClr val="accent4">
-                  <a:lumMod val="75000"/>
-                </a:schemeClr>
+                <a:schemeClr val="bg1"/>
               </a:solidFill>
               <a:latin typeface="圆体-简" panose="02010600040101010101" charset="-122"/>
               <a:ea typeface="圆体-简" panose="02010600040101010101" charset="-122"/>
@@ -3908,9 +3878,7 @@
             <a:r>
               <a:rPr>
                 <a:solidFill>
-                  <a:schemeClr val="accent4">
-                    <a:lumMod val="75000"/>
-                  </a:schemeClr>
+                  <a:schemeClr val="bg1"/>
                 </a:solidFill>
                 <a:latin typeface="圆体-简" panose="02010600040101010101" charset="-122"/>
                 <a:ea typeface="圆体-简" panose="02010600040101010101" charset="-122"/>
@@ -3919,9 +3887,7 @@
             </a:r>
             <a:endParaRPr>
               <a:solidFill>
-                <a:schemeClr val="accent4">
-                  <a:lumMod val="75000"/>
-                </a:schemeClr>
+                <a:schemeClr val="bg1"/>
               </a:solidFill>
               <a:latin typeface="圆体-简" panose="02010600040101010101" charset="-122"/>
               <a:ea typeface="圆体-简" panose="02010600040101010101" charset="-122"/>
@@ -3983,9 +3949,7 @@
             <a:r>
               <a:rPr>
                 <a:solidFill>
-                  <a:schemeClr val="accent4">
-                    <a:lumMod val="75000"/>
-                  </a:schemeClr>
+                  <a:schemeClr val="bg1"/>
                 </a:solidFill>
                 <a:latin typeface="圆体-简" panose="02010600040101010101" charset="-122"/>
                 <a:ea typeface="圆体-简" panose="02010600040101010101" charset="-122"/>
@@ -3994,9 +3958,7 @@
             </a:r>
             <a:endParaRPr>
               <a:solidFill>
-                <a:schemeClr val="accent4">
-                  <a:lumMod val="75000"/>
-                </a:schemeClr>
+                <a:schemeClr val="bg1"/>
               </a:solidFill>
               <a:latin typeface="圆体-简" panose="02010600040101010101" charset="-122"/>
               <a:ea typeface="圆体-简" panose="02010600040101010101" charset="-122"/>
@@ -4011,9 +3973,7 @@
             <a:r>
               <a:rPr>
                 <a:solidFill>
-                  <a:schemeClr val="accent4">
-                    <a:lumMod val="75000"/>
-                  </a:schemeClr>
+                  <a:schemeClr val="bg1"/>
                 </a:solidFill>
                 <a:latin typeface="圆体-简" panose="02010600040101010101" charset="-122"/>
                 <a:ea typeface="圆体-简" panose="02010600040101010101" charset="-122"/>
@@ -4022,9 +3982,7 @@
             </a:r>
             <a:endParaRPr>
               <a:solidFill>
-                <a:schemeClr val="accent4">
-                  <a:lumMod val="75000"/>
-                </a:schemeClr>
+                <a:schemeClr val="bg1"/>
               </a:solidFill>
               <a:latin typeface="圆体-简" panose="02010600040101010101" charset="-122"/>
               <a:ea typeface="圆体-简" panose="02010600040101010101" charset="-122"/>
@@ -4039,9 +3997,7 @@
             <a:r>
               <a:rPr>
                 <a:solidFill>
-                  <a:schemeClr val="accent4">
-                    <a:lumMod val="75000"/>
-                  </a:schemeClr>
+                  <a:schemeClr val="bg1"/>
                 </a:solidFill>
                 <a:latin typeface="圆体-简" panose="02010600040101010101" charset="-122"/>
                 <a:ea typeface="圆体-简" panose="02010600040101010101" charset="-122"/>
@@ -4050,9 +4006,7 @@
             </a:r>
             <a:endParaRPr>
               <a:solidFill>
-                <a:schemeClr val="accent4">
-                  <a:lumMod val="75000"/>
-                </a:schemeClr>
+                <a:schemeClr val="bg1"/>
               </a:solidFill>
               <a:latin typeface="圆体-简" panose="02010600040101010101" charset="-122"/>
               <a:ea typeface="圆体-简" panose="02010600040101010101" charset="-122"/>
@@ -4067,9 +4021,7 @@
             <a:r>
               <a:rPr>
                 <a:solidFill>
-                  <a:schemeClr val="accent4">
-                    <a:lumMod val="75000"/>
-                  </a:schemeClr>
+                  <a:schemeClr val="bg1"/>
                 </a:solidFill>
                 <a:latin typeface="圆体-简" panose="02010600040101010101" charset="-122"/>
                 <a:ea typeface="圆体-简" panose="02010600040101010101" charset="-122"/>
@@ -4078,9 +4030,7 @@
             </a:r>
             <a:endParaRPr>
               <a:solidFill>
-                <a:schemeClr val="accent4">
-                  <a:lumMod val="75000"/>
-                </a:schemeClr>
+                <a:schemeClr val="bg1"/>
               </a:solidFill>
               <a:latin typeface="圆体-简" panose="02010600040101010101" charset="-122"/>
               <a:ea typeface="圆体-简" panose="02010600040101010101" charset="-122"/>
@@ -4095,9 +4045,7 @@
             <a:r>
               <a:rPr>
                 <a:solidFill>
-                  <a:schemeClr val="accent4">
-                    <a:lumMod val="75000"/>
-                  </a:schemeClr>
+                  <a:schemeClr val="bg1"/>
                 </a:solidFill>
                 <a:latin typeface="圆体-简" panose="02010600040101010101" charset="-122"/>
                 <a:ea typeface="圆体-简" panose="02010600040101010101" charset="-122"/>
@@ -4106,9 +4054,7 @@
             </a:r>
             <a:endParaRPr>
               <a:solidFill>
-                <a:schemeClr val="accent4">
-                  <a:lumMod val="75000"/>
-                </a:schemeClr>
+                <a:schemeClr val="bg1"/>
               </a:solidFill>
               <a:latin typeface="圆体-简" panose="02010600040101010101" charset="-122"/>
               <a:ea typeface="圆体-简" panose="02010600040101010101" charset="-122"/>
@@ -4170,9 +4116,7 @@
             <a:r>
               <a:rPr sz="4000">
                 <a:solidFill>
-                  <a:schemeClr val="accent4">
-                    <a:lumMod val="75000"/>
-                  </a:schemeClr>
+                  <a:schemeClr val="bg1"/>
                 </a:solidFill>
                 <a:latin typeface="圆体-简" panose="02010600040101010101" charset="-122"/>
                 <a:ea typeface="圆体-简" panose="02010600040101010101" charset="-122"/>
@@ -4181,9 +4125,7 @@
             </a:r>
             <a:endParaRPr sz="4000">
               <a:solidFill>
-                <a:schemeClr val="accent4">
-                  <a:lumMod val="75000"/>
-                </a:schemeClr>
+                <a:schemeClr val="bg1"/>
               </a:solidFill>
               <a:latin typeface="圆体-简" panose="02010600040101010101" charset="-122"/>
               <a:ea typeface="圆体-简" panose="02010600040101010101" charset="-122"/>
@@ -4245,9 +4187,7 @@
             <a:r>
               <a:rPr lang="zh-CN" sz="4000">
                 <a:solidFill>
-                  <a:schemeClr val="accent4">
-                    <a:lumMod val="75000"/>
-                  </a:schemeClr>
+                  <a:schemeClr val="bg1"/>
                 </a:solidFill>
                 <a:latin typeface="圆体-简" panose="02010600040101010101" charset="-122"/>
                 <a:ea typeface="圆体-简" panose="02010600040101010101" charset="-122"/>
@@ -4256,9 +4196,7 @@
             </a:r>
             <a:endParaRPr lang="zh-CN" sz="4000">
               <a:solidFill>
-                <a:schemeClr val="accent4">
-                  <a:lumMod val="75000"/>
-                </a:schemeClr>
+                <a:schemeClr val="bg1"/>
               </a:solidFill>
               <a:latin typeface="圆体-简" panose="02010600040101010101" charset="-122"/>
               <a:ea typeface="圆体-简" panose="02010600040101010101" charset="-122"/>
@@ -4320,9 +4258,7 @@
             <a:r>
               <a:rPr sz="4000">
                 <a:solidFill>
-                  <a:schemeClr val="accent4">
-                    <a:lumMod val="75000"/>
-                  </a:schemeClr>
+                  <a:schemeClr val="bg1"/>
                 </a:solidFill>
                 <a:latin typeface="圆体-简" panose="02010600040101010101" charset="-122"/>
                 <a:ea typeface="圆体-简" panose="02010600040101010101" charset="-122"/>
@@ -4331,9 +4267,7 @@
             </a:r>
             <a:endParaRPr sz="4000">
               <a:solidFill>
-                <a:schemeClr val="accent4">
-                  <a:lumMod val="75000"/>
-                </a:schemeClr>
+                <a:schemeClr val="bg1"/>
               </a:solidFill>
               <a:latin typeface="圆体-简" panose="02010600040101010101" charset="-122"/>
               <a:ea typeface="圆体-简" panose="02010600040101010101" charset="-122"/>
@@ -4370,9 +4304,7 @@
             <a:r>
               <a:rPr lang="en-US" altLang="zh-CN">
                 <a:solidFill>
-                  <a:schemeClr val="accent4">
-                    <a:lumMod val="75000"/>
-                  </a:schemeClr>
+                  <a:schemeClr val="bg1"/>
                 </a:solidFill>
                 <a:latin typeface="圆体-简" panose="02010600040101010101" charset="-122"/>
                 <a:ea typeface="圆体-简" panose="02010600040101010101" charset="-122"/>
@@ -4382,9 +4314,7 @@
             <a:r>
               <a:rPr lang="zh-CN" altLang="en-US">
                 <a:solidFill>
-                  <a:schemeClr val="accent4">
-                    <a:lumMod val="75000"/>
-                  </a:schemeClr>
+                  <a:schemeClr val="bg1"/>
                 </a:solidFill>
                 <a:latin typeface="圆体-简" panose="02010600040101010101" charset="-122"/>
                 <a:ea typeface="圆体-简" panose="02010600040101010101" charset="-122"/>
@@ -4393,9 +4323,7 @@
             </a:r>
             <a:endParaRPr lang="zh-CN" altLang="en-US">
               <a:solidFill>
-                <a:schemeClr val="accent4">
-                  <a:lumMod val="75000"/>
-                </a:schemeClr>
+                <a:schemeClr val="bg1"/>
               </a:solidFill>
               <a:latin typeface="圆体-简" panose="02010600040101010101" charset="-122"/>
               <a:ea typeface="圆体-简" panose="02010600040101010101" charset="-122"/>
@@ -4410,9 +4338,7 @@
             <a:r>
               <a:rPr lang="en-US" altLang="zh-CN">
                 <a:solidFill>
-                  <a:schemeClr val="accent4">
-                    <a:lumMod val="75000"/>
-                  </a:schemeClr>
+                  <a:schemeClr val="bg1"/>
                 </a:solidFill>
                 <a:latin typeface="圆体-简" panose="02010600040101010101" charset="-122"/>
                 <a:ea typeface="圆体-简" panose="02010600040101010101" charset="-122"/>
@@ -4422,9 +4348,7 @@
             <a:r>
               <a:rPr lang="zh-CN" altLang="en-US">
                 <a:solidFill>
-                  <a:schemeClr val="accent4">
-                    <a:lumMod val="75000"/>
-                  </a:schemeClr>
+                  <a:schemeClr val="bg1"/>
                 </a:solidFill>
                 <a:latin typeface="圆体-简" panose="02010600040101010101" charset="-122"/>
                 <a:ea typeface="圆体-简" panose="02010600040101010101" charset="-122"/>
@@ -4434,9 +4358,7 @@
             <a:r>
               <a:rPr lang="en-US" altLang="zh-CN">
                 <a:solidFill>
-                  <a:schemeClr val="accent4">
-                    <a:lumMod val="75000"/>
-                  </a:schemeClr>
+                  <a:schemeClr val="bg1"/>
                 </a:solidFill>
                 <a:latin typeface="圆体-简" panose="02010600040101010101" charset="-122"/>
                 <a:ea typeface="圆体-简" panose="02010600040101010101" charset="-122"/>
@@ -4446,9 +4368,7 @@
             <a:r>
               <a:rPr lang="zh-CN" altLang="en-US">
                 <a:solidFill>
-                  <a:schemeClr val="accent4">
-                    <a:lumMod val="75000"/>
-                  </a:schemeClr>
+                  <a:schemeClr val="bg1"/>
                 </a:solidFill>
                 <a:latin typeface="圆体-简" panose="02010600040101010101" charset="-122"/>
                 <a:ea typeface="圆体-简" panose="02010600040101010101" charset="-122"/>
@@ -4457,9 +4377,7 @@
             </a:r>
             <a:endParaRPr lang="zh-CN" altLang="en-US">
               <a:solidFill>
-                <a:schemeClr val="accent4">
-                  <a:lumMod val="75000"/>
-                </a:schemeClr>
+                <a:schemeClr val="bg1"/>
               </a:solidFill>
               <a:latin typeface="圆体-简" panose="02010600040101010101" charset="-122"/>
               <a:ea typeface="圆体-简" panose="02010600040101010101" charset="-122"/>
@@ -4521,9 +4439,7 @@
             <a:r>
               <a:rPr sz="4000">
                 <a:solidFill>
-                  <a:schemeClr val="accent4">
-                    <a:lumMod val="75000"/>
-                  </a:schemeClr>
+                  <a:schemeClr val="bg1"/>
                 </a:solidFill>
                 <a:latin typeface="圆体-简" panose="02010600040101010101" charset="-122"/>
                 <a:ea typeface="圆体-简" panose="02010600040101010101" charset="-122"/>
@@ -4532,9 +4448,7 @@
             </a:r>
             <a:endParaRPr sz="4000">
               <a:solidFill>
-                <a:schemeClr val="accent4">
-                  <a:lumMod val="75000"/>
-                </a:schemeClr>
+                <a:schemeClr val="bg1"/>
               </a:solidFill>
               <a:latin typeface="圆体-简" panose="02010600040101010101" charset="-122"/>
               <a:ea typeface="圆体-简" panose="02010600040101010101" charset="-122"/>
@@ -4571,9 +4485,7 @@
             <a:r>
               <a:rPr>
                 <a:solidFill>
-                  <a:schemeClr val="accent4">
-                    <a:lumMod val="75000"/>
-                  </a:schemeClr>
+                  <a:schemeClr val="bg1"/>
                 </a:solidFill>
                 <a:latin typeface="圆体-简" panose="02010600040101010101" charset="-122"/>
                 <a:ea typeface="圆体-简" panose="02010600040101010101" charset="-122"/>
@@ -4583,22 +4495,18 @@
             <a:r>
               <a:rPr>
                 <a:solidFill>
-                  <a:schemeClr val="accent4">
-                    <a:lumMod val="75000"/>
-                  </a:schemeClr>
-                </a:solidFill>
-                <a:latin typeface="圆体-简" panose="02010600040101010101" charset="-122"/>
-                <a:ea typeface="圆体-简" panose="02010600040101010101" charset="-122"/>
-                <a:hlinkClick r:id="rId1" tooltip="" action="ppaction://hlinkfile"/>
+                  <a:schemeClr val="bg1"/>
+                </a:solidFill>
+                <a:latin typeface="圆体-简" panose="02010600040101010101" charset="-122"/>
+                <a:ea typeface="圆体-简" panose="02010600040101010101" charset="-122"/>
+                <a:hlinkClick r:id="rId1" action="ppaction://hlinkfile"/>
               </a:rPr>
               <a:t>小程序简介</a:t>
             </a:r>
             <a:r>
               <a:rPr>
                 <a:solidFill>
-                  <a:schemeClr val="accent4">
-                    <a:lumMod val="75000"/>
-                  </a:schemeClr>
+                  <a:schemeClr val="bg1"/>
                 </a:solidFill>
                 <a:latin typeface="圆体-简" panose="02010600040101010101" charset="-122"/>
                 <a:ea typeface="圆体-简" panose="02010600040101010101" charset="-122"/>
@@ -4607,9 +4515,7 @@
             </a:r>
             <a:endParaRPr>
               <a:solidFill>
-                <a:schemeClr val="accent4">
-                  <a:lumMod val="75000"/>
-                </a:schemeClr>
+                <a:schemeClr val="bg1"/>
               </a:solidFill>
               <a:latin typeface="圆体-简" panose="02010600040101010101" charset="-122"/>
               <a:ea typeface="圆体-简" panose="02010600040101010101" charset="-122"/>
@@ -4624,9 +4530,7 @@
             <a:r>
               <a:rPr>
                 <a:solidFill>
-                  <a:schemeClr val="accent4">
-                    <a:lumMod val="75000"/>
-                  </a:schemeClr>
+                  <a:schemeClr val="bg1"/>
                 </a:solidFill>
                 <a:latin typeface="圆体-简" panose="02010600040101010101" charset="-122"/>
                 <a:ea typeface="圆体-简" panose="02010600040101010101" charset="-122"/>
@@ -4636,22 +4540,18 @@
             <a:r>
               <a:rPr>
                 <a:solidFill>
-                  <a:schemeClr val="accent4">
-                    <a:lumMod val="75000"/>
-                  </a:schemeClr>
-                </a:solidFill>
-                <a:latin typeface="圆体-简" panose="02010600040101010101" charset="-122"/>
-                <a:ea typeface="圆体-简" panose="02010600040101010101" charset="-122"/>
-                <a:hlinkClick r:id="rId2" tooltip="" action="ppaction://hlinkfile"/>
+                  <a:schemeClr val="bg1"/>
+                </a:solidFill>
+                <a:latin typeface="圆体-简" panose="02010600040101010101" charset="-122"/>
+                <a:ea typeface="圆体-简" panose="02010600040101010101" charset="-122"/>
+                <a:hlinkClick r:id="rId2" action="ppaction://hlinkfile"/>
               </a:rPr>
               <a:t>小程序云开发简介</a:t>
             </a:r>
             <a:r>
               <a:rPr>
                 <a:solidFill>
-                  <a:schemeClr val="accent4">
-                    <a:lumMod val="75000"/>
-                  </a:schemeClr>
+                  <a:schemeClr val="bg1"/>
                 </a:solidFill>
                 <a:latin typeface="圆体-简" panose="02010600040101010101" charset="-122"/>
                 <a:ea typeface="圆体-简" panose="02010600040101010101" charset="-122"/>
@@ -4660,9 +4560,7 @@
             </a:r>
             <a:endParaRPr>
               <a:solidFill>
-                <a:schemeClr val="accent4">
-                  <a:lumMod val="75000"/>
-                </a:schemeClr>
+                <a:schemeClr val="bg1"/>
               </a:solidFill>
               <a:latin typeface="圆体-简" panose="02010600040101010101" charset="-122"/>
               <a:ea typeface="圆体-简" panose="02010600040101010101" charset="-122"/>
@@ -4677,9 +4575,7 @@
             <a:r>
               <a:rPr>
                 <a:solidFill>
-                  <a:schemeClr val="accent4">
-                    <a:lumMod val="75000"/>
-                  </a:schemeClr>
+                  <a:schemeClr val="bg1"/>
                 </a:solidFill>
                 <a:latin typeface="圆体-简" panose="02010600040101010101" charset="-122"/>
                 <a:ea typeface="圆体-简" panose="02010600040101010101" charset="-122"/>
@@ -4689,22 +4585,18 @@
             <a:r>
               <a:rPr>
                 <a:solidFill>
-                  <a:schemeClr val="accent4">
-                    <a:lumMod val="75000"/>
-                  </a:schemeClr>
-                </a:solidFill>
-                <a:latin typeface="圆体-简" panose="02010600040101010101" charset="-122"/>
-                <a:ea typeface="圆体-简" panose="02010600040101010101" charset="-122"/>
-                <a:hlinkClick r:id="rId3" tooltip="" action="ppaction://hlinkfile"/>
+                  <a:schemeClr val="bg1"/>
+                </a:solidFill>
+                <a:latin typeface="圆体-简" panose="02010600040101010101" charset="-122"/>
+                <a:ea typeface="圆体-简" panose="02010600040101010101" charset="-122"/>
+                <a:hlinkClick r:id="rId3" action="ppaction://hlinkfile"/>
               </a:rPr>
               <a:t>Node.js菜鸟教程</a:t>
             </a:r>
             <a:r>
               <a:rPr>
                 <a:solidFill>
-                  <a:schemeClr val="accent4">
-                    <a:lumMod val="75000"/>
-                  </a:schemeClr>
+                  <a:schemeClr val="bg1"/>
                 </a:solidFill>
                 <a:latin typeface="圆体-简" panose="02010600040101010101" charset="-122"/>
                 <a:ea typeface="圆体-简" panose="02010600040101010101" charset="-122"/>
@@ -4713,9 +4605,7 @@
             </a:r>
             <a:endParaRPr>
               <a:solidFill>
-                <a:schemeClr val="accent4">
-                  <a:lumMod val="75000"/>
-                </a:schemeClr>
+                <a:schemeClr val="bg1"/>
               </a:solidFill>
               <a:latin typeface="圆体-简" panose="02010600040101010101" charset="-122"/>
               <a:ea typeface="圆体-简" panose="02010600040101010101" charset="-122"/>
@@ -4777,9 +4667,7 @@
             <a:r>
               <a:rPr sz="4000">
                 <a:solidFill>
-                  <a:schemeClr val="accent4">
-                    <a:lumMod val="75000"/>
-                  </a:schemeClr>
+                  <a:schemeClr val="bg1"/>
                 </a:solidFill>
                 <a:latin typeface="圆体-简" panose="02010600040101010101" charset="-122"/>
                 <a:ea typeface="圆体-简" panose="02010600040101010101" charset="-122"/>
@@ -4788,9 +4676,7 @@
             </a:r>
             <a:endParaRPr sz="4000">
               <a:solidFill>
-                <a:schemeClr val="accent4">
-                  <a:lumMod val="75000"/>
-                </a:schemeClr>
+                <a:schemeClr val="bg1"/>
               </a:solidFill>
               <a:latin typeface="圆体-简" panose="02010600040101010101" charset="-122"/>
               <a:ea typeface="圆体-简" panose="02010600040101010101" charset="-122"/>
@@ -4827,9 +4713,7 @@
             <a:r>
               <a:rPr>
                 <a:solidFill>
-                  <a:schemeClr val="accent4">
-                    <a:lumMod val="75000"/>
-                  </a:schemeClr>
+                  <a:schemeClr val="bg1"/>
                 </a:solidFill>
                 <a:latin typeface="圆体-简" panose="02010600040101010101" charset="-122"/>
                 <a:ea typeface="圆体-简" panose="02010600040101010101" charset="-122"/>
@@ -4838,9 +4722,7 @@
             </a:r>
             <a:endParaRPr>
               <a:solidFill>
-                <a:schemeClr val="accent4">
-                  <a:lumMod val="75000"/>
-                </a:schemeClr>
+                <a:schemeClr val="bg1"/>
               </a:solidFill>
               <a:latin typeface="圆体-简" panose="02010600040101010101" charset="-122"/>
               <a:ea typeface="圆体-简" panose="02010600040101010101" charset="-122"/>
@@ -4855,9 +4737,7 @@
             <a:r>
               <a:rPr>
                 <a:solidFill>
-                  <a:schemeClr val="accent4">
-                    <a:lumMod val="75000"/>
-                  </a:schemeClr>
+                  <a:schemeClr val="bg1"/>
                 </a:solidFill>
                 <a:latin typeface="圆体-简" panose="02010600040101010101" charset="-122"/>
                 <a:ea typeface="圆体-简" panose="02010600040101010101" charset="-122"/>
@@ -4866,9 +4746,7 @@
             </a:r>
             <a:endParaRPr>
               <a:solidFill>
-                <a:schemeClr val="accent4">
-                  <a:lumMod val="75000"/>
-                </a:schemeClr>
+                <a:schemeClr val="bg1"/>
               </a:solidFill>
               <a:latin typeface="圆体-简" panose="02010600040101010101" charset="-122"/>
               <a:ea typeface="圆体-简" panose="02010600040101010101" charset="-122"/>
@@ -4883,9 +4761,7 @@
             <a:r>
               <a:rPr>
                 <a:solidFill>
-                  <a:schemeClr val="accent4">
-                    <a:lumMod val="75000"/>
-                  </a:schemeClr>
+                  <a:schemeClr val="bg1"/>
                 </a:solidFill>
                 <a:latin typeface="圆体-简" panose="02010600040101010101" charset="-122"/>
                 <a:ea typeface="圆体-简" panose="02010600040101010101" charset="-122"/>
@@ -4894,9 +4770,7 @@
             </a:r>
             <a:endParaRPr>
               <a:solidFill>
-                <a:schemeClr val="accent4">
-                  <a:lumMod val="75000"/>
-                </a:schemeClr>
+                <a:schemeClr val="bg1"/>
               </a:solidFill>
               <a:latin typeface="圆体-简" panose="02010600040101010101" charset="-122"/>
               <a:ea typeface="圆体-简" panose="02010600040101010101" charset="-122"/>
@@ -4911,9 +4785,7 @@
             <a:r>
               <a:rPr>
                 <a:solidFill>
-                  <a:schemeClr val="accent4">
-                    <a:lumMod val="75000"/>
-                  </a:schemeClr>
+                  <a:schemeClr val="bg1"/>
                 </a:solidFill>
                 <a:latin typeface="圆体-简" panose="02010600040101010101" charset="-122"/>
                 <a:ea typeface="圆体-简" panose="02010600040101010101" charset="-122"/>
@@ -4922,9 +4794,7 @@
             </a:r>
             <a:endParaRPr>
               <a:solidFill>
-                <a:schemeClr val="accent4">
-                  <a:lumMod val="75000"/>
-                </a:schemeClr>
+                <a:schemeClr val="bg1"/>
               </a:solidFill>
               <a:latin typeface="圆体-简" panose="02010600040101010101" charset="-122"/>
               <a:ea typeface="圆体-简" panose="02010600040101010101" charset="-122"/>
@@ -4939,9 +4809,7 @@
             <a:r>
               <a:rPr>
                 <a:solidFill>
-                  <a:schemeClr val="accent4">
-                    <a:lumMod val="75000"/>
-                  </a:schemeClr>
+                  <a:schemeClr val="bg1"/>
                 </a:solidFill>
                 <a:latin typeface="圆体-简" panose="02010600040101010101" charset="-122"/>
                 <a:ea typeface="圆体-简" panose="02010600040101010101" charset="-122"/>
@@ -4950,9 +4818,7 @@
             </a:r>
             <a:endParaRPr>
               <a:solidFill>
-                <a:schemeClr val="accent4">
-                  <a:lumMod val="75000"/>
-                </a:schemeClr>
+                <a:schemeClr val="bg1"/>
               </a:solidFill>
               <a:latin typeface="圆体-简" panose="02010600040101010101" charset="-122"/>
               <a:ea typeface="圆体-简" panose="02010600040101010101" charset="-122"/>
@@ -4967,9 +4833,7 @@
             <a:r>
               <a:rPr>
                 <a:solidFill>
-                  <a:schemeClr val="accent4">
-                    <a:lumMod val="75000"/>
-                  </a:schemeClr>
+                  <a:schemeClr val="bg1"/>
                 </a:solidFill>
                 <a:latin typeface="圆体-简" panose="02010600040101010101" charset="-122"/>
                 <a:ea typeface="圆体-简" panose="02010600040101010101" charset="-122"/>
@@ -4978,9 +4842,7 @@
             </a:r>
             <a:endParaRPr>
               <a:solidFill>
-                <a:schemeClr val="accent4">
-                  <a:lumMod val="75000"/>
-                </a:schemeClr>
+                <a:schemeClr val="bg1"/>
               </a:solidFill>
               <a:latin typeface="圆体-简" panose="02010600040101010101" charset="-122"/>
               <a:ea typeface="圆体-简" panose="02010600040101010101" charset="-122"/>
@@ -4995,9 +4857,7 @@
             <a:r>
               <a:rPr>
                 <a:solidFill>
-                  <a:schemeClr val="accent4">
-                    <a:lumMod val="75000"/>
-                  </a:schemeClr>
+                  <a:schemeClr val="bg1"/>
                 </a:solidFill>
                 <a:latin typeface="圆体-简" panose="02010600040101010101" charset="-122"/>
                 <a:ea typeface="圆体-简" panose="02010600040101010101" charset="-122"/>
@@ -5006,9 +4866,7 @@
             </a:r>
             <a:endParaRPr>
               <a:solidFill>
-                <a:schemeClr val="accent4">
-                  <a:lumMod val="75000"/>
-                </a:schemeClr>
+                <a:schemeClr val="bg1"/>
               </a:solidFill>
               <a:latin typeface="圆体-简" panose="02010600040101010101" charset="-122"/>
               <a:ea typeface="圆体-简" panose="02010600040101010101" charset="-122"/>
@@ -5070,9 +4928,7 @@
             <a:r>
               <a:rPr sz="4000">
                 <a:solidFill>
-                  <a:schemeClr val="accent4">
-                    <a:lumMod val="75000"/>
-                  </a:schemeClr>
+                  <a:schemeClr val="bg1"/>
                 </a:solidFill>
                 <a:latin typeface="圆体-简" panose="02010600040101010101" charset="-122"/>
                 <a:ea typeface="圆体-简" panose="02010600040101010101" charset="-122"/>
@@ -5081,9 +4937,7 @@
             </a:r>
             <a:endParaRPr sz="4000">
               <a:solidFill>
-                <a:schemeClr val="accent4">
-                  <a:lumMod val="75000"/>
-                </a:schemeClr>
+                <a:schemeClr val="bg1"/>
               </a:solidFill>
               <a:latin typeface="圆体-简" panose="02010600040101010101" charset="-122"/>
               <a:ea typeface="圆体-简" panose="02010600040101010101" charset="-122"/>
@@ -5120,9 +4974,7 @@
             <a:r>
               <a:rPr>
                 <a:solidFill>
-                  <a:schemeClr val="accent4">
-                    <a:lumMod val="75000"/>
-                  </a:schemeClr>
+                  <a:schemeClr val="bg1"/>
                 </a:solidFill>
                 <a:latin typeface="圆体-简" panose="02010600040101010101" charset="-122"/>
                 <a:ea typeface="圆体-简" panose="02010600040101010101" charset="-122"/>
@@ -5132,21 +4984,17 @@
             <a:r>
               <a:rPr>
                 <a:solidFill>
-                  <a:schemeClr val="accent4">
-                    <a:lumMod val="75000"/>
-                  </a:schemeClr>
-                </a:solidFill>
-                <a:latin typeface="圆体-简" panose="02010600040101010101" charset="-122"/>
-                <a:ea typeface="圆体-简" panose="02010600040101010101" charset="-122"/>
-                <a:hlinkClick r:id="rId1" tooltip="" action="ppaction://hlinkfile"/>
+                  <a:schemeClr val="bg1"/>
+                </a:solidFill>
+                <a:latin typeface="圆体-简" panose="02010600040101010101" charset="-122"/>
+                <a:ea typeface="圆体-简" panose="02010600040101010101" charset="-122"/>
+                <a:hlinkClick r:id="rId1" action="ppaction://hlinkfile"/>
               </a:rPr>
               <a:t>https://github.com/chenyuanluck/ai-picture</a:t>
             </a:r>
             <a:endParaRPr>
               <a:solidFill>
-                <a:schemeClr val="accent4">
-                  <a:lumMod val="75000"/>
-                </a:schemeClr>
+                <a:schemeClr val="bg1"/>
               </a:solidFill>
               <a:latin typeface="圆体-简" panose="02010600040101010101" charset="-122"/>
               <a:ea typeface="圆体-简" panose="02010600040101010101" charset="-122"/>
@@ -5161,9 +5009,7 @@
             <a:r>
               <a:rPr>
                 <a:solidFill>
-                  <a:schemeClr val="accent4">
-                    <a:lumMod val="75000"/>
-                  </a:schemeClr>
+                  <a:schemeClr val="bg1"/>
                 </a:solidFill>
                 <a:latin typeface="圆体-简" panose="02010600040101010101" charset="-122"/>
                 <a:ea typeface="圆体-简" panose="02010600040101010101" charset="-122"/>
@@ -5172,9 +5018,7 @@
             </a:r>
             <a:endParaRPr>
               <a:solidFill>
-                <a:schemeClr val="accent4">
-                  <a:lumMod val="75000"/>
-                </a:schemeClr>
+                <a:schemeClr val="bg1"/>
               </a:solidFill>
               <a:latin typeface="圆体-简" panose="02010600040101010101" charset="-122"/>
               <a:ea typeface="圆体-简" panose="02010600040101010101" charset="-122"/>
@@ -5236,9 +5080,7 @@
             <a:r>
               <a:rPr sz="4000">
                 <a:solidFill>
-                  <a:schemeClr val="accent4">
-                    <a:lumMod val="75000"/>
-                  </a:schemeClr>
+                  <a:schemeClr val="bg1"/>
                 </a:solidFill>
                 <a:latin typeface="圆体-简" panose="02010600040101010101" charset="-122"/>
                 <a:ea typeface="圆体-简" panose="02010600040101010101" charset="-122"/>
@@ -5247,9 +5089,7 @@
             </a:r>
             <a:endParaRPr sz="4000">
               <a:solidFill>
-                <a:schemeClr val="accent4">
-                  <a:lumMod val="75000"/>
-                </a:schemeClr>
+                <a:schemeClr val="bg1"/>
               </a:solidFill>
               <a:latin typeface="圆体-简" panose="02010600040101010101" charset="-122"/>
               <a:ea typeface="圆体-简" panose="02010600040101010101" charset="-122"/>
@@ -5286,9 +5126,7 @@
             <a:r>
               <a:rPr>
                 <a:solidFill>
-                  <a:schemeClr val="accent4">
-                    <a:lumMod val="75000"/>
-                  </a:schemeClr>
+                  <a:schemeClr val="bg1"/>
                 </a:solidFill>
                 <a:latin typeface="圆体-简" panose="02010600040101010101" charset="-122"/>
                 <a:ea typeface="圆体-简" panose="02010600040101010101" charset="-122"/>
@@ -5297,9 +5135,7 @@
             </a:r>
             <a:endParaRPr>
               <a:solidFill>
-                <a:schemeClr val="accent4">
-                  <a:lumMod val="75000"/>
-                </a:schemeClr>
+                <a:schemeClr val="bg1"/>
               </a:solidFill>
               <a:latin typeface="圆体-简" panose="02010600040101010101" charset="-122"/>
               <a:ea typeface="圆体-简" panose="02010600040101010101" charset="-122"/>
@@ -5314,9 +5150,7 @@
             <a:r>
               <a:rPr>
                 <a:solidFill>
-                  <a:schemeClr val="accent4">
-                    <a:lumMod val="75000"/>
-                  </a:schemeClr>
+                  <a:schemeClr val="bg1"/>
                 </a:solidFill>
                 <a:latin typeface="圆体-简" panose="02010600040101010101" charset="-122"/>
                 <a:ea typeface="圆体-简" panose="02010600040101010101" charset="-122"/>
@@ -5325,9 +5159,8 @@
             </a:r>
             <a:r>
               <a:rPr>
-                <a:ln/>
-                <a:solidFill>
-                  <a:schemeClr val="accent1"/>
+                <a:solidFill>
+                  <a:schemeClr val="bg1"/>
                 </a:solidFill>
                 <a:effectLst>
                   <a:outerShdw blurRad="38100" dist="25400" dir="5400000" algn="ctr" rotWithShape="0">
@@ -5344,9 +5177,7 @@
             <a:r>
               <a:rPr>
                 <a:solidFill>
-                  <a:schemeClr val="accent4">
-                    <a:lumMod val="75000"/>
-                  </a:schemeClr>
+                  <a:schemeClr val="bg1"/>
                 </a:solidFill>
                 <a:latin typeface="圆体-简" panose="02010600040101010101" charset="-122"/>
                 <a:ea typeface="圆体-简" panose="02010600040101010101" charset="-122"/>
@@ -5355,9 +5186,7 @@
             </a:r>
             <a:endParaRPr>
               <a:solidFill>
-                <a:schemeClr val="accent4">
-                  <a:lumMod val="75000"/>
-                </a:schemeClr>
+                <a:schemeClr val="bg1"/>
               </a:solidFill>
               <a:latin typeface="圆体-简" panose="02010600040101010101" charset="-122"/>
               <a:ea typeface="圆体-简" panose="02010600040101010101" charset="-122"/>
@@ -5372,9 +5201,7 @@
             <a:r>
               <a:rPr>
                 <a:solidFill>
-                  <a:schemeClr val="accent4">
-                    <a:lumMod val="75000"/>
-                  </a:schemeClr>
+                  <a:schemeClr val="bg1"/>
                 </a:solidFill>
                 <a:latin typeface="圆体-简" panose="02010600040101010101" charset="-122"/>
                 <a:ea typeface="圆体-简" panose="02010600040101010101" charset="-122"/>
@@ -5383,9 +5210,8 @@
             </a:r>
             <a:r>
               <a:rPr>
-                <a:ln/>
-                <a:solidFill>
-                  <a:schemeClr val="accent1"/>
+                <a:solidFill>
+                  <a:schemeClr val="bg1"/>
                 </a:solidFill>
                 <a:effectLst>
                   <a:outerShdw blurRad="38100" dist="25400" dir="5400000" algn="ctr" rotWithShape="0">
@@ -5402,9 +5228,7 @@
             <a:r>
               <a:rPr>
                 <a:solidFill>
-                  <a:schemeClr val="accent4">
-                    <a:lumMod val="75000"/>
-                  </a:schemeClr>
+                  <a:schemeClr val="bg1"/>
                 </a:solidFill>
                 <a:latin typeface="圆体-简" panose="02010600040101010101" charset="-122"/>
                 <a:ea typeface="圆体-简" panose="02010600040101010101" charset="-122"/>
@@ -5413,9 +5237,7 @@
             </a:r>
             <a:endParaRPr>
               <a:solidFill>
-                <a:schemeClr val="accent4">
-                  <a:lumMod val="75000"/>
-                </a:schemeClr>
+                <a:schemeClr val="bg1"/>
               </a:solidFill>
               <a:latin typeface="圆体-简" panose="02010600040101010101" charset="-122"/>
               <a:ea typeface="圆体-简" panose="02010600040101010101" charset="-122"/>
@@ -5430,9 +5252,7 @@
             <a:r>
               <a:rPr>
                 <a:solidFill>
-                  <a:schemeClr val="accent4">
-                    <a:lumMod val="75000"/>
-                  </a:schemeClr>
+                  <a:schemeClr val="bg1"/>
                 </a:solidFill>
                 <a:latin typeface="圆体-简" panose="02010600040101010101" charset="-122"/>
                 <a:ea typeface="圆体-简" panose="02010600040101010101" charset="-122"/>
@@ -5441,9 +5261,7 @@
             </a:r>
             <a:endParaRPr>
               <a:solidFill>
-                <a:schemeClr val="accent4">
-                  <a:lumMod val="75000"/>
-                </a:schemeClr>
+                <a:schemeClr val="bg1"/>
               </a:solidFill>
               <a:latin typeface="圆体-简" panose="02010600040101010101" charset="-122"/>
               <a:ea typeface="圆体-简" panose="02010600040101010101" charset="-122"/>
@@ -5458,9 +5276,7 @@
             <a:r>
               <a:rPr>
                 <a:solidFill>
-                  <a:schemeClr val="accent4">
-                    <a:lumMod val="75000"/>
-                  </a:schemeClr>
+                  <a:schemeClr val="bg1"/>
                 </a:solidFill>
                 <a:latin typeface="圆体-简" panose="02010600040101010101" charset="-122"/>
                 <a:ea typeface="圆体-简" panose="02010600040101010101" charset="-122"/>
@@ -5469,9 +5285,7 @@
             </a:r>
             <a:endParaRPr>
               <a:solidFill>
-                <a:schemeClr val="accent4">
-                  <a:lumMod val="75000"/>
-                </a:schemeClr>
+                <a:schemeClr val="bg1"/>
               </a:solidFill>
               <a:latin typeface="圆体-简" panose="02010600040101010101" charset="-122"/>
               <a:ea typeface="圆体-简" panose="02010600040101010101" charset="-122"/>
@@ -5486,9 +5300,7 @@
             <a:r>
               <a:rPr>
                 <a:solidFill>
-                  <a:schemeClr val="accent4">
-                    <a:lumMod val="75000"/>
-                  </a:schemeClr>
+                  <a:schemeClr val="bg1"/>
                 </a:solidFill>
                 <a:latin typeface="圆体-简" panose="02010600040101010101" charset="-122"/>
                 <a:ea typeface="圆体-简" panose="02010600040101010101" charset="-122"/>
@@ -5497,9 +5309,7 @@
             </a:r>
             <a:endParaRPr>
               <a:solidFill>
-                <a:schemeClr val="accent4">
-                  <a:lumMod val="75000"/>
-                </a:schemeClr>
+                <a:schemeClr val="bg1"/>
               </a:solidFill>
               <a:latin typeface="圆体-简" panose="02010600040101010101" charset="-122"/>
               <a:ea typeface="圆体-简" panose="02010600040101010101" charset="-122"/>
@@ -5514,9 +5324,7 @@
             <a:r>
               <a:rPr>
                 <a:solidFill>
-                  <a:schemeClr val="accent4">
-                    <a:lumMod val="75000"/>
-                  </a:schemeClr>
+                  <a:schemeClr val="bg1"/>
                 </a:solidFill>
                 <a:latin typeface="圆体-简" panose="02010600040101010101" charset="-122"/>
                 <a:ea typeface="圆体-简" panose="02010600040101010101" charset="-122"/>
@@ -5525,9 +5333,7 @@
             </a:r>
             <a:endParaRPr>
               <a:solidFill>
-                <a:schemeClr val="accent4">
-                  <a:lumMod val="75000"/>
-                </a:schemeClr>
+                <a:schemeClr val="bg1"/>
               </a:solidFill>
               <a:latin typeface="圆体-简" panose="02010600040101010101" charset="-122"/>
               <a:ea typeface="圆体-简" panose="02010600040101010101" charset="-122"/>
@@ -5589,9 +5395,7 @@
             <a:r>
               <a:rPr sz="4000">
                 <a:solidFill>
-                  <a:schemeClr val="accent4">
-                    <a:lumMod val="75000"/>
-                  </a:schemeClr>
+                  <a:schemeClr val="bg1"/>
                 </a:solidFill>
                 <a:latin typeface="圆体-简" panose="02010600040101010101" charset="-122"/>
                 <a:ea typeface="圆体-简" panose="02010600040101010101" charset="-122"/>
@@ -5600,9 +5404,7 @@
             </a:r>
             <a:endParaRPr sz="4000">
               <a:solidFill>
-                <a:schemeClr val="accent4">
-                  <a:lumMod val="75000"/>
-                </a:schemeClr>
+                <a:schemeClr val="bg1"/>
               </a:solidFill>
               <a:latin typeface="圆体-简" panose="02010600040101010101" charset="-122"/>
               <a:ea typeface="圆体-简" panose="02010600040101010101" charset="-122"/>
@@ -5713,9 +5515,7 @@
             <a:r>
               <a:rPr sz="4000">
                 <a:solidFill>
-                  <a:schemeClr val="accent4">
-                    <a:lumMod val="75000"/>
-                  </a:schemeClr>
+                  <a:schemeClr val="bg1"/>
                 </a:solidFill>
                 <a:latin typeface="圆体-简" panose="02010600040101010101" charset="-122"/>
                 <a:ea typeface="圆体-简" panose="02010600040101010101" charset="-122"/>
@@ -5724,9 +5524,7 @@
             </a:r>
             <a:endParaRPr sz="4000">
               <a:solidFill>
-                <a:schemeClr val="accent4">
-                  <a:lumMod val="75000"/>
-                </a:schemeClr>
+                <a:schemeClr val="bg1"/>
               </a:solidFill>
               <a:latin typeface="圆体-简" panose="02010600040101010101" charset="-122"/>
               <a:ea typeface="圆体-简" panose="02010600040101010101" charset="-122"/>
@@ -5763,9 +5561,7 @@
             <a:r>
               <a:rPr>
                 <a:solidFill>
-                  <a:schemeClr val="accent4">
-                    <a:lumMod val="75000"/>
-                  </a:schemeClr>
+                  <a:schemeClr val="bg1"/>
                 </a:solidFill>
                 <a:latin typeface="圆体-简" panose="02010600040101010101" charset="-122"/>
                 <a:ea typeface="圆体-简" panose="02010600040101010101" charset="-122"/>
@@ -5774,9 +5570,7 @@
             </a:r>
             <a:endParaRPr>
               <a:solidFill>
-                <a:schemeClr val="accent4">
-                  <a:lumMod val="75000"/>
-                </a:schemeClr>
+                <a:schemeClr val="bg1"/>
               </a:solidFill>
               <a:latin typeface="圆体-简" panose="02010600040101010101" charset="-122"/>
               <a:ea typeface="圆体-简" panose="02010600040101010101" charset="-122"/>

--- a/美颜相册小程序开发分享.pptx
+++ b/美颜相册小程序开发分享.pptx
@@ -5,23 +5,25 @@
     <p:sldMasterId id="2147483648" r:id="rId1"/>
   </p:sldMasterIdLst>
   <p:notesMasterIdLst>
-    <p:notesMasterId r:id="rId17"/>
+    <p:notesMasterId r:id="rId19"/>
   </p:notesMasterIdLst>
   <p:sldIdLst>
     <p:sldId id="264" r:id="rId3"/>
     <p:sldId id="285" r:id="rId4"/>
-    <p:sldId id="290" r:id="rId5"/>
-    <p:sldId id="291" r:id="rId6"/>
-    <p:sldId id="292" r:id="rId7"/>
-    <p:sldId id="293" r:id="rId8"/>
-    <p:sldId id="294" r:id="rId9"/>
-    <p:sldId id="295" r:id="rId10"/>
-    <p:sldId id="296" r:id="rId11"/>
-    <p:sldId id="297" r:id="rId12"/>
-    <p:sldId id="298" r:id="rId13"/>
-    <p:sldId id="299" r:id="rId14"/>
-    <p:sldId id="300" r:id="rId15"/>
-    <p:sldId id="301" r:id="rId16"/>
+    <p:sldId id="305" r:id="rId5"/>
+    <p:sldId id="302" r:id="rId6"/>
+    <p:sldId id="290" r:id="rId7"/>
+    <p:sldId id="291" r:id="rId8"/>
+    <p:sldId id="292" r:id="rId9"/>
+    <p:sldId id="293" r:id="rId10"/>
+    <p:sldId id="294" r:id="rId11"/>
+    <p:sldId id="295" r:id="rId12"/>
+    <p:sldId id="296" r:id="rId13"/>
+    <p:sldId id="297" r:id="rId14"/>
+    <p:sldId id="298" r:id="rId15"/>
+    <p:sldId id="299" r:id="rId16"/>
+    <p:sldId id="300" r:id="rId17"/>
+    <p:sldId id="303" r:id="rId18"/>
   </p:sldIdLst>
   <p:sldSz cx="9144000" cy="5143500" type="screen16x9"/>
   <p:notesSz cx="9144000" cy="6858000"/>
@@ -651,6 +653,30 @@
           </a:p>
         </p:txBody>
       </p:sp>
+      <p:pic>
+        <p:nvPicPr>
+          <p:cNvPr id="8" name="图片 7" descr="未标题-2"/>
+          <p:cNvPicPr>
+            <a:picLocks noChangeAspect="1"/>
+          </p:cNvPicPr>
+          <p:nvPr userDrawn="1"/>
+        </p:nvPicPr>
+        <p:blipFill>
+          <a:blip r:embed="rId2"/>
+          <a:stretch>
+            <a:fillRect/>
+          </a:stretch>
+        </p:blipFill>
+        <p:spPr>
+          <a:xfrm>
+            <a:off x="5996940" y="4767580"/>
+            <a:ext cx="1688465" cy="214630"/>
+          </a:xfrm>
+          <a:prstGeom prst="rect">
+            <a:avLst/>
+          </a:prstGeom>
+        </p:spPr>
+      </p:pic>
     </p:spTree>
   </p:cSld>
   <p:clrMapOvr>
@@ -3442,6 +3468,12 @@
 <file path=ppt/slides/slide1.xml><?xml version="1.0" encoding="utf-8"?>
 <p:sld xmlns:a="http://schemas.openxmlformats.org/drawingml/2006/main" xmlns:r="http://schemas.openxmlformats.org/officeDocument/2006/relationships" xmlns:p="http://schemas.openxmlformats.org/presentationml/2006/main">
   <p:cSld>
+    <p:bg>
+      <p:bgPr>
+        <a:noFill/>
+        <a:effectLst/>
+      </p:bgPr>
+    </p:bg>
     <p:spTree>
       <p:nvGrpSpPr>
         <p:cNvPr id="1" name=""/>
@@ -3468,7 +3500,7 @@
         </p:nvSpPr>
         <p:spPr>
           <a:xfrm>
-            <a:off x="14605" y="1628775"/>
+            <a:off x="26670" y="1850390"/>
             <a:ext cx="9090660" cy="850265"/>
           </a:xfrm>
         </p:spPr>
@@ -3521,48 +3553,6 @@
           </a:p>
         </p:txBody>
       </p:sp>
-      <p:sp>
-        <p:nvSpPr>
-          <p:cNvPr id="3" name="副标题 2"/>
-          <p:cNvSpPr>
-            <a:spLocks noGrp="1"/>
-          </p:cNvSpPr>
-          <p:nvPr>
-            <p:ph type="subTitle" idx="1"/>
-          </p:nvPr>
-        </p:nvSpPr>
-        <p:spPr>
-          <a:xfrm>
-            <a:off x="454025" y="3886200"/>
-            <a:ext cx="8211820" cy="327025"/>
-          </a:xfrm>
-        </p:spPr>
-        <p:txBody>
-          <a:bodyPr>
-            <a:normAutofit fontScale="90000"/>
-          </a:bodyPr>
-          <a:p>
-            <a:pPr algn="r"/>
-            <a:r>
-              <a:rPr lang="zh-CN" altLang="en-US">
-                <a:solidFill>
-                  <a:schemeClr val="bg1"/>
-                </a:solidFill>
-                <a:latin typeface="圆体-简" panose="02010600040101010101" charset="-122"/>
-                <a:ea typeface="圆体-简" panose="02010600040101010101" charset="-122"/>
-              </a:rPr>
-              <a:t>陈元</a:t>
-            </a:r>
-            <a:endParaRPr lang="zh-CN" altLang="en-US">
-              <a:solidFill>
-                <a:schemeClr val="bg1"/>
-              </a:solidFill>
-              <a:latin typeface="圆体-简" panose="02010600040101010101" charset="-122"/>
-              <a:ea typeface="圆体-简" panose="02010600040101010101" charset="-122"/>
-            </a:endParaRPr>
-          </a:p>
-        </p:txBody>
-      </p:sp>
     </p:spTree>
   </p:cSld>
   <p:clrMapOvr>
@@ -3572,6 +3562,172 @@
 </file>
 
 <file path=ppt/slides/slide10.xml><?xml version="1.0" encoding="utf-8"?>
+<p:sld xmlns:a="http://schemas.openxmlformats.org/drawingml/2006/main" xmlns:r="http://schemas.openxmlformats.org/officeDocument/2006/relationships" xmlns:p="http://schemas.openxmlformats.org/presentationml/2006/main">
+  <p:cSld>
+    <p:spTree>
+      <p:nvGrpSpPr>
+        <p:cNvPr id="1" name=""/>
+        <p:cNvGrpSpPr/>
+        <p:nvPr/>
+      </p:nvGrpSpPr>
+      <p:grpSpPr>
+        <a:xfrm>
+          <a:off x="0" y="0"/>
+          <a:ext cx="0" cy="0"/>
+          <a:chOff x="0" y="0"/>
+          <a:chExt cx="0" cy="0"/>
+        </a:xfrm>
+      </p:grpSpPr>
+      <p:pic>
+        <p:nvPicPr>
+          <p:cNvPr id="7" name="图片 6" descr="美颜小程序架构图"/>
+          <p:cNvPicPr>
+            <a:picLocks noChangeAspect="1"/>
+          </p:cNvPicPr>
+          <p:nvPr/>
+        </p:nvPicPr>
+        <p:blipFill>
+          <a:blip r:embed="rId1"/>
+          <a:stretch>
+            <a:fillRect/>
+          </a:stretch>
+        </p:blipFill>
+        <p:spPr>
+          <a:xfrm>
+            <a:off x="1737995" y="11430"/>
+            <a:ext cx="5532120" cy="5117465"/>
+          </a:xfrm>
+          <a:prstGeom prst="rect">
+            <a:avLst/>
+          </a:prstGeom>
+        </p:spPr>
+      </p:pic>
+    </p:spTree>
+  </p:cSld>
+  <p:clrMapOvr>
+    <a:masterClrMapping/>
+  </p:clrMapOvr>
+</p:sld>
+</file>
+
+<file path=ppt/slides/slide11.xml><?xml version="1.0" encoding="utf-8"?>
+<p:sld xmlns:a="http://schemas.openxmlformats.org/drawingml/2006/main" xmlns:r="http://schemas.openxmlformats.org/officeDocument/2006/relationships" xmlns:p="http://schemas.openxmlformats.org/presentationml/2006/main">
+  <p:cSld>
+    <p:spTree>
+      <p:nvGrpSpPr>
+        <p:cNvPr id="1" name=""/>
+        <p:cNvGrpSpPr/>
+        <p:nvPr/>
+      </p:nvGrpSpPr>
+      <p:grpSpPr>
+        <a:xfrm>
+          <a:off x="0" y="0"/>
+          <a:ext cx="0" cy="0"/>
+          <a:chOff x="0" y="0"/>
+          <a:chExt cx="0" cy="0"/>
+        </a:xfrm>
+      </p:grpSpPr>
+      <p:sp>
+        <p:nvSpPr>
+          <p:cNvPr id="2" name="标题 1"/>
+          <p:cNvSpPr>
+            <a:spLocks noGrp="1"/>
+          </p:cNvSpPr>
+          <p:nvPr>
+            <p:ph type="ctrTitle"/>
+          </p:nvPr>
+        </p:nvSpPr>
+        <p:spPr>
+          <a:xfrm>
+            <a:off x="34290" y="702945"/>
+            <a:ext cx="9081135" cy="695960"/>
+          </a:xfrm>
+        </p:spPr>
+        <p:txBody>
+          <a:bodyPr>
+            <a:normAutofit fontScale="90000"/>
+          </a:bodyPr>
+          <a:p>
+            <a:pPr algn="l">
+              <a:lnSpc>
+                <a:spcPct val="110000"/>
+              </a:lnSpc>
+            </a:pPr>
+            <a:r>
+              <a:rPr sz="4000">
+                <a:solidFill>
+                  <a:schemeClr val="bg1"/>
+                </a:solidFill>
+                <a:latin typeface="圆体-简" panose="02010600040101010101" charset="-122"/>
+                <a:ea typeface="圆体-简" panose="02010600040101010101" charset="-122"/>
+              </a:rPr>
+              <a:t>七、代码目录结构</a:t>
+            </a:r>
+            <a:endParaRPr sz="4000">
+              <a:solidFill>
+                <a:schemeClr val="bg1"/>
+              </a:solidFill>
+              <a:latin typeface="圆体-简" panose="02010600040101010101" charset="-122"/>
+              <a:ea typeface="圆体-简" panose="02010600040101010101" charset="-122"/>
+            </a:endParaRPr>
+          </a:p>
+        </p:txBody>
+      </p:sp>
+      <p:sp>
+        <p:nvSpPr>
+          <p:cNvPr id="3" name="副标题 2"/>
+          <p:cNvSpPr>
+            <a:spLocks noGrp="1"/>
+          </p:cNvSpPr>
+          <p:nvPr>
+            <p:ph type="subTitle" idx="1"/>
+          </p:nvPr>
+        </p:nvSpPr>
+        <p:spPr>
+          <a:xfrm>
+            <a:off x="33655" y="1478915"/>
+            <a:ext cx="9081770" cy="3274060"/>
+          </a:xfrm>
+        </p:spPr>
+        <p:txBody>
+          <a:bodyPr>
+            <a:normAutofit/>
+          </a:bodyPr>
+          <a:p>
+            <a:pPr algn="l">
+              <a:lnSpc>
+                <a:spcPct val="120000"/>
+              </a:lnSpc>
+            </a:pPr>
+            <a:r>
+              <a:rPr>
+                <a:solidFill>
+                  <a:schemeClr val="bg1"/>
+                </a:solidFill>
+                <a:latin typeface="圆体-简" panose="02010600040101010101" charset="-122"/>
+                <a:ea typeface="圆体-简" panose="02010600040101010101" charset="-122"/>
+              </a:rPr>
+              <a:t>1、 主要分为两个目录，functions、program。一个存放前端文件，一个存放云函数(类似“后端”)文件</a:t>
+            </a:r>
+            <a:endParaRPr>
+              <a:solidFill>
+                <a:schemeClr val="bg1"/>
+              </a:solidFill>
+              <a:latin typeface="圆体-简" panose="02010600040101010101" charset="-122"/>
+              <a:ea typeface="圆体-简" panose="02010600040101010101" charset="-122"/>
+            </a:endParaRPr>
+          </a:p>
+        </p:txBody>
+      </p:sp>
+    </p:spTree>
+  </p:cSld>
+  <p:clrMapOvr>
+    <a:masterClrMapping/>
+  </p:clrMapOvr>
+</p:sld>
+</file>
+
+<file path=ppt/slides/slide12.xml><?xml version="1.0" encoding="utf-8"?>
 <p:sld xmlns:a="http://schemas.openxmlformats.org/drawingml/2006/main" xmlns:r="http://schemas.openxmlformats.org/officeDocument/2006/relationships" xmlns:p="http://schemas.openxmlformats.org/presentationml/2006/main">
   <p:cSld>
     <p:spTree>
@@ -3620,456 +3776,6 @@
 </p:sld>
 </file>
 
-<file path=ppt/slides/slide11.xml><?xml version="1.0" encoding="utf-8"?>
-<p:sld xmlns:a="http://schemas.openxmlformats.org/drawingml/2006/main" xmlns:r="http://schemas.openxmlformats.org/officeDocument/2006/relationships" xmlns:p="http://schemas.openxmlformats.org/presentationml/2006/main">
-  <p:cSld>
-    <p:spTree>
-      <p:nvGrpSpPr>
-        <p:cNvPr id="1" name=""/>
-        <p:cNvGrpSpPr/>
-        <p:nvPr/>
-      </p:nvGrpSpPr>
-      <p:grpSpPr>
-        <a:xfrm>
-          <a:off x="0" y="0"/>
-          <a:ext cx="0" cy="0"/>
-          <a:chOff x="0" y="0"/>
-          <a:chExt cx="0" cy="0"/>
-        </a:xfrm>
-      </p:grpSpPr>
-      <p:sp>
-        <p:nvSpPr>
-          <p:cNvPr id="2" name="标题 1"/>
-          <p:cNvSpPr>
-            <a:spLocks noGrp="1"/>
-          </p:cNvSpPr>
-          <p:nvPr>
-            <p:ph type="ctrTitle"/>
-          </p:nvPr>
-        </p:nvSpPr>
-        <p:spPr>
-          <a:xfrm>
-            <a:off x="34290" y="702945"/>
-            <a:ext cx="9081135" cy="695960"/>
-          </a:xfrm>
-        </p:spPr>
-        <p:txBody>
-          <a:bodyPr>
-            <a:normAutofit fontScale="90000"/>
-          </a:bodyPr>
-          <a:p>
-            <a:pPr algn="l">
-              <a:lnSpc>
-                <a:spcPct val="110000"/>
-              </a:lnSpc>
-            </a:pPr>
-            <a:r>
-              <a:rPr sz="4000">
-                <a:solidFill>
-                  <a:schemeClr val="bg1"/>
-                </a:solidFill>
-                <a:latin typeface="圆体-简" panose="02010600040101010101" charset="-122"/>
-                <a:ea typeface="圆体-简" panose="02010600040101010101" charset="-122"/>
-              </a:rPr>
-              <a:t>八、项目导入</a:t>
-            </a:r>
-            <a:endParaRPr sz="4000">
-              <a:solidFill>
-                <a:schemeClr val="bg1"/>
-              </a:solidFill>
-              <a:latin typeface="圆体-简" panose="02010600040101010101" charset="-122"/>
-              <a:ea typeface="圆体-简" panose="02010600040101010101" charset="-122"/>
-            </a:endParaRPr>
-          </a:p>
-        </p:txBody>
-      </p:sp>
-      <p:sp>
-        <p:nvSpPr>
-          <p:cNvPr id="3" name="副标题 2"/>
-          <p:cNvSpPr>
-            <a:spLocks noGrp="1"/>
-          </p:cNvSpPr>
-          <p:nvPr>
-            <p:ph type="subTitle" idx="1"/>
-          </p:nvPr>
-        </p:nvSpPr>
-        <p:spPr>
-          <a:xfrm>
-            <a:off x="33655" y="1478915"/>
-            <a:ext cx="9081770" cy="3274060"/>
-          </a:xfrm>
-        </p:spPr>
-        <p:txBody>
-          <a:bodyPr>
-            <a:normAutofit lnSpcReduction="10000"/>
-          </a:bodyPr>
-          <a:p>
-            <a:pPr algn="l">
-              <a:lnSpc>
-                <a:spcPct val="120000"/>
-              </a:lnSpc>
-            </a:pPr>
-            <a:r>
-              <a:rPr>
-                <a:solidFill>
-                  <a:schemeClr val="bg1"/>
-                </a:solidFill>
-                <a:latin typeface="圆体-简" panose="02010600040101010101" charset="-122"/>
-                <a:ea typeface="圆体-简" panose="02010600040101010101" charset="-122"/>
-              </a:rPr>
-              <a:t>查看</a:t>
-            </a:r>
-            <a:r>
-              <a:rPr>
-                <a:solidFill>
-                  <a:schemeClr val="bg1"/>
-                </a:solidFill>
-                <a:latin typeface="圆体-简" panose="02010600040101010101" charset="-122"/>
-                <a:ea typeface="圆体-简" panose="02010600040101010101" charset="-122"/>
-                <a:hlinkClick r:id="rId1" action="ppaction://hlinkfile"/>
-              </a:rPr>
-              <a:t>导入项目说明</a:t>
-            </a:r>
-            <a:endParaRPr>
-              <a:solidFill>
-                <a:schemeClr val="bg1"/>
-              </a:solidFill>
-              <a:latin typeface="圆体-简" panose="02010600040101010101" charset="-122"/>
-              <a:ea typeface="圆体-简" panose="02010600040101010101" charset="-122"/>
-            </a:endParaRPr>
-          </a:p>
-          <a:p>
-            <a:pPr algn="l">
-              <a:lnSpc>
-                <a:spcPct val="120000"/>
-              </a:lnSpc>
-            </a:pPr>
-            <a:r>
-              <a:rPr>
-                <a:solidFill>
-                  <a:schemeClr val="bg1"/>
-                </a:solidFill>
-                <a:latin typeface="圆体-简" panose="02010600040101010101" charset="-122"/>
-                <a:ea typeface="圆体-简" panose="02010600040101010101" charset="-122"/>
-              </a:rPr>
-              <a:t>1、下载项目代码到本地目录</a:t>
-            </a:r>
-            <a:r>
-              <a:rPr>
-                <a:solidFill>
-                  <a:schemeClr val="bg1"/>
-                </a:solidFill>
-                <a:latin typeface="圆体-简" panose="02010600040101010101" charset="-122"/>
-                <a:ea typeface="圆体-简" panose="02010600040101010101" charset="-122"/>
-                <a:hlinkClick r:id="rId2" action="ppaction://hlinkfile"/>
-              </a:rPr>
-              <a:t>https://github.com/chenyuanluck/ai-picture</a:t>
-            </a:r>
-            <a:endParaRPr>
-              <a:solidFill>
-                <a:schemeClr val="bg1"/>
-              </a:solidFill>
-              <a:latin typeface="圆体-简" panose="02010600040101010101" charset="-122"/>
-              <a:ea typeface="圆体-简" panose="02010600040101010101" charset="-122"/>
-            </a:endParaRPr>
-          </a:p>
-          <a:p>
-            <a:pPr algn="l">
-              <a:lnSpc>
-                <a:spcPct val="120000"/>
-              </a:lnSpc>
-            </a:pPr>
-            <a:r>
-              <a:rPr>
-                <a:solidFill>
-                  <a:schemeClr val="bg1"/>
-                </a:solidFill>
-                <a:latin typeface="圆体-简" panose="02010600040101010101" charset="-122"/>
-                <a:ea typeface="圆体-简" panose="02010600040101010101" charset="-122"/>
-              </a:rPr>
-              <a:t>2、将项目代码导入到微信开发者工具</a:t>
-            </a:r>
-            <a:endParaRPr>
-              <a:solidFill>
-                <a:schemeClr val="bg1"/>
-              </a:solidFill>
-              <a:latin typeface="圆体-简" panose="02010600040101010101" charset="-122"/>
-              <a:ea typeface="圆体-简" panose="02010600040101010101" charset="-122"/>
-            </a:endParaRPr>
-          </a:p>
-          <a:p>
-            <a:pPr algn="l">
-              <a:lnSpc>
-                <a:spcPct val="120000"/>
-              </a:lnSpc>
-            </a:pPr>
-            <a:r>
-              <a:rPr>
-                <a:solidFill>
-                  <a:schemeClr val="bg1"/>
-                </a:solidFill>
-                <a:latin typeface="圆体-简" panose="02010600040101010101" charset="-122"/>
-                <a:ea typeface="圆体-简" panose="02010600040101010101" charset="-122"/>
-              </a:rPr>
-              <a:t>3、修改小程序appId</a:t>
-            </a:r>
-            <a:endParaRPr>
-              <a:solidFill>
-                <a:schemeClr val="bg1"/>
-              </a:solidFill>
-              <a:latin typeface="圆体-简" panose="02010600040101010101" charset="-122"/>
-              <a:ea typeface="圆体-简" panose="02010600040101010101" charset="-122"/>
-            </a:endParaRPr>
-          </a:p>
-          <a:p>
-            <a:pPr algn="l">
-              <a:lnSpc>
-                <a:spcPct val="120000"/>
-              </a:lnSpc>
-            </a:pPr>
-            <a:r>
-              <a:rPr>
-                <a:solidFill>
-                  <a:schemeClr val="bg1"/>
-                </a:solidFill>
-                <a:latin typeface="圆体-简" panose="02010600040101010101" charset="-122"/>
-                <a:ea typeface="圆体-简" panose="02010600040101010101" charset="-122"/>
-              </a:rPr>
-              <a:t>4、点击开发者工具中的云开发按钮开通云开发</a:t>
-            </a:r>
-            <a:endParaRPr>
-              <a:solidFill>
-                <a:schemeClr val="bg1"/>
-              </a:solidFill>
-              <a:latin typeface="圆体-简" panose="02010600040101010101" charset="-122"/>
-              <a:ea typeface="圆体-简" panose="02010600040101010101" charset="-122"/>
-            </a:endParaRPr>
-          </a:p>
-          <a:p>
-            <a:pPr algn="l">
-              <a:lnSpc>
-                <a:spcPct val="120000"/>
-              </a:lnSpc>
-            </a:pPr>
-            <a:r>
-              <a:rPr>
-                <a:solidFill>
-                  <a:schemeClr val="bg1"/>
-                </a:solidFill>
-                <a:latin typeface="圆体-简" panose="02010600040101010101" charset="-122"/>
-                <a:ea typeface="圆体-简" panose="02010600040101010101" charset="-122"/>
-              </a:rPr>
-              <a:t>5、在'开发者工具-云开发-数据库'中创建名为'pictures'的集合</a:t>
-            </a:r>
-            <a:endParaRPr>
-              <a:solidFill>
-                <a:schemeClr val="bg1"/>
-              </a:solidFill>
-              <a:latin typeface="圆体-简" panose="02010600040101010101" charset="-122"/>
-              <a:ea typeface="圆体-简" panose="02010600040101010101" charset="-122"/>
-            </a:endParaRPr>
-          </a:p>
-          <a:p>
-            <a:pPr algn="l">
-              <a:lnSpc>
-                <a:spcPct val="120000"/>
-              </a:lnSpc>
-            </a:pPr>
-            <a:r>
-              <a:rPr>
-                <a:solidFill>
-                  <a:schemeClr val="bg1"/>
-                </a:solidFill>
-                <a:latin typeface="圆体-简" panose="02010600040101010101" charset="-122"/>
-                <a:ea typeface="圆体-简" panose="02010600040101010101" charset="-122"/>
-              </a:rPr>
-              <a:t>6、在'开发者工具-云开发-设置'中获取环境ID，填写到'/program/config.js'文件'CLOUD_ENV_ID'配置项中</a:t>
-            </a:r>
-            <a:endParaRPr>
-              <a:solidFill>
-                <a:schemeClr val="bg1"/>
-              </a:solidFill>
-              <a:latin typeface="圆体-简" panose="02010600040101010101" charset="-122"/>
-              <a:ea typeface="圆体-简" panose="02010600040101010101" charset="-122"/>
-            </a:endParaRPr>
-          </a:p>
-        </p:txBody>
-      </p:sp>
-    </p:spTree>
-  </p:cSld>
-  <p:clrMapOvr>
-    <a:masterClrMapping/>
-  </p:clrMapOvr>
-</p:sld>
-</file>
-
-<file path=ppt/slides/slide12.xml><?xml version="1.0" encoding="utf-8"?>
-<p:sld xmlns:a="http://schemas.openxmlformats.org/drawingml/2006/main" xmlns:r="http://schemas.openxmlformats.org/officeDocument/2006/relationships" xmlns:p="http://schemas.openxmlformats.org/presentationml/2006/main">
-  <p:cSld>
-    <p:spTree>
-      <p:nvGrpSpPr>
-        <p:cNvPr id="1" name=""/>
-        <p:cNvGrpSpPr/>
-        <p:nvPr/>
-      </p:nvGrpSpPr>
-      <p:grpSpPr>
-        <a:xfrm>
-          <a:off x="0" y="0"/>
-          <a:ext cx="0" cy="0"/>
-          <a:chOff x="0" y="0"/>
-          <a:chExt cx="0" cy="0"/>
-        </a:xfrm>
-      </p:grpSpPr>
-      <p:sp>
-        <p:nvSpPr>
-          <p:cNvPr id="3" name="副标题 2"/>
-          <p:cNvSpPr>
-            <a:spLocks noGrp="1"/>
-          </p:cNvSpPr>
-          <p:nvPr>
-            <p:ph type="subTitle" idx="1"/>
-          </p:nvPr>
-        </p:nvSpPr>
-        <p:spPr>
-          <a:xfrm>
-            <a:off x="34290" y="703580"/>
-            <a:ext cx="9081135" cy="4049395"/>
-          </a:xfrm>
-        </p:spPr>
-        <p:txBody>
-          <a:bodyPr>
-            <a:normAutofit/>
-          </a:bodyPr>
-          <a:p>
-            <a:pPr algn="l">
-              <a:lnSpc>
-                <a:spcPct val="120000"/>
-              </a:lnSpc>
-            </a:pPr>
-            <a:r>
-              <a:rPr>
-                <a:solidFill>
-                  <a:schemeClr val="bg1"/>
-                </a:solidFill>
-                <a:latin typeface="圆体-简" panose="02010600040101010101" charset="-122"/>
-                <a:ea typeface="圆体-简" panose="02010600040101010101" charset="-122"/>
-              </a:rPr>
-              <a:t>7、在开发者工具界面中右键代码目录'/functions'选择云开发环境</a:t>
-            </a:r>
-            <a:endParaRPr>
-              <a:solidFill>
-                <a:schemeClr val="bg1"/>
-              </a:solidFill>
-              <a:latin typeface="圆体-简" panose="02010600040101010101" charset="-122"/>
-              <a:ea typeface="圆体-简" panose="02010600040101010101" charset="-122"/>
-            </a:endParaRPr>
-          </a:p>
-          <a:p>
-            <a:pPr algn="l">
-              <a:lnSpc>
-                <a:spcPct val="120000"/>
-              </a:lnSpc>
-            </a:pPr>
-            <a:r>
-              <a:rPr>
-                <a:solidFill>
-                  <a:schemeClr val="bg1"/>
-                </a:solidFill>
-                <a:latin typeface="圆体-简" panose="02010600040101010101" charset="-122"/>
-                <a:ea typeface="圆体-简" panose="02010600040101010101" charset="-122"/>
-              </a:rPr>
-              <a:t>8、右键'/functions/api'选择'上传并部署'</a:t>
-            </a:r>
-            <a:endParaRPr>
-              <a:solidFill>
-                <a:schemeClr val="bg1"/>
-              </a:solidFill>
-              <a:latin typeface="圆体-简" panose="02010600040101010101" charset="-122"/>
-              <a:ea typeface="圆体-简" panose="02010600040101010101" charset="-122"/>
-            </a:endParaRPr>
-          </a:p>
-          <a:p>
-            <a:pPr algn="l">
-              <a:lnSpc>
-                <a:spcPct val="120000"/>
-              </a:lnSpc>
-            </a:pPr>
-            <a:r>
-              <a:rPr>
-                <a:solidFill>
-                  <a:schemeClr val="bg1"/>
-                </a:solidFill>
-                <a:latin typeface="圆体-简" panose="02010600040101010101" charset="-122"/>
-                <a:ea typeface="圆体-简" panose="02010600040101010101" charset="-122"/>
-              </a:rPr>
-              <a:t>9、到'开发者工具-云开发-云函数'找到名为'api'的云函数，点击设置，将超时时间改为大于10秒的数值(因为第三方api生成图片需要时间)</a:t>
-            </a:r>
-            <a:endParaRPr>
-              <a:solidFill>
-                <a:schemeClr val="bg1"/>
-              </a:solidFill>
-              <a:latin typeface="圆体-简" panose="02010600040101010101" charset="-122"/>
-              <a:ea typeface="圆体-简" panose="02010600040101010101" charset="-122"/>
-            </a:endParaRPr>
-          </a:p>
-          <a:p>
-            <a:pPr algn="l">
-              <a:lnSpc>
-                <a:spcPct val="120000"/>
-              </a:lnSpc>
-            </a:pPr>
-            <a:r>
-              <a:rPr>
-                <a:solidFill>
-                  <a:schemeClr val="bg1"/>
-                </a:solidFill>
-                <a:latin typeface="圆体-简" panose="02010600040101010101" charset="-122"/>
-                <a:ea typeface="圆体-简" panose="02010600040101010101" charset="-122"/>
-              </a:rPr>
-              <a:t>10、到腾讯AI开放平台(https://ai.qq.com/)上注册帐号-》创建应用-》接入对应能力，获取应用appId、appKey填写到'/functions/api/config.js'对应配置中</a:t>
-            </a:r>
-            <a:endParaRPr>
-              <a:solidFill>
-                <a:schemeClr val="bg1"/>
-              </a:solidFill>
-              <a:latin typeface="圆体-简" panose="02010600040101010101" charset="-122"/>
-              <a:ea typeface="圆体-简" panose="02010600040101010101" charset="-122"/>
-            </a:endParaRPr>
-          </a:p>
-          <a:p>
-            <a:pPr algn="l">
-              <a:lnSpc>
-                <a:spcPct val="120000"/>
-              </a:lnSpc>
-            </a:pPr>
-            <a:r>
-              <a:rPr>
-                <a:solidFill>
-                  <a:schemeClr val="bg1"/>
-                </a:solidFill>
-                <a:latin typeface="圆体-简" panose="02010600040101010101" charset="-122"/>
-                <a:ea typeface="圆体-简" panose="02010600040101010101" charset="-122"/>
-              </a:rPr>
-              <a:t>11、项目导入成功~</a:t>
-            </a:r>
-            <a:endParaRPr>
-              <a:solidFill>
-                <a:schemeClr val="bg1"/>
-              </a:solidFill>
-              <a:latin typeface="圆体-简" panose="02010600040101010101" charset="-122"/>
-              <a:ea typeface="圆体-简" panose="02010600040101010101" charset="-122"/>
-            </a:endParaRPr>
-          </a:p>
-        </p:txBody>
-      </p:sp>
-    </p:spTree>
-  </p:cSld>
-  <p:clrMapOvr>
-    <a:masterClrMapping/>
-  </p:clrMapOvr>
-</p:sld>
-</file>
-
 <file path=ppt/slides/slide13.xml><?xml version="1.0" encoding="utf-8"?>
 <p:sld xmlns:a="http://schemas.openxmlformats.org/drawingml/2006/main" xmlns:r="http://schemas.openxmlformats.org/officeDocument/2006/relationships" xmlns:p="http://schemas.openxmlformats.org/presentationml/2006/main">
   <p:cSld>
@@ -4121,9 +3827,221 @@
                 <a:latin typeface="圆体-简" panose="02010600040101010101" charset="-122"/>
                 <a:ea typeface="圆体-简" panose="02010600040101010101" charset="-122"/>
               </a:rPr>
-              <a:t>九、关键代码分析</a:t>
+              <a:t>八、项目导入</a:t>
             </a:r>
             <a:endParaRPr sz="4000">
+              <a:solidFill>
+                <a:schemeClr val="bg1"/>
+              </a:solidFill>
+              <a:latin typeface="圆体-简" panose="02010600040101010101" charset="-122"/>
+              <a:ea typeface="圆体-简" panose="02010600040101010101" charset="-122"/>
+            </a:endParaRPr>
+          </a:p>
+        </p:txBody>
+      </p:sp>
+      <p:sp>
+        <p:nvSpPr>
+          <p:cNvPr id="3" name="副标题 2"/>
+          <p:cNvSpPr>
+            <a:spLocks noGrp="1"/>
+          </p:cNvSpPr>
+          <p:nvPr>
+            <p:ph type="subTitle" idx="1"/>
+          </p:nvPr>
+        </p:nvSpPr>
+        <p:spPr>
+          <a:xfrm>
+            <a:off x="33655" y="1478915"/>
+            <a:ext cx="9081770" cy="3274060"/>
+          </a:xfrm>
+        </p:spPr>
+        <p:txBody>
+          <a:bodyPr>
+            <a:normAutofit lnSpcReduction="10000"/>
+          </a:bodyPr>
+          <a:p>
+            <a:pPr algn="l">
+              <a:lnSpc>
+                <a:spcPct val="120000"/>
+              </a:lnSpc>
+            </a:pPr>
+            <a:r>
+              <a:rPr>
+                <a:solidFill>
+                  <a:schemeClr val="bg1"/>
+                </a:solidFill>
+                <a:latin typeface="圆体-简" panose="02010600040101010101" charset="-122"/>
+                <a:ea typeface="圆体-简" panose="02010600040101010101" charset="-122"/>
+              </a:rPr>
+              <a:t>查看</a:t>
+            </a:r>
+            <a:r>
+              <a:rPr>
+                <a:solidFill>
+                  <a:schemeClr val="bg1"/>
+                </a:solidFill>
+                <a:latin typeface="圆体-简" panose="02010600040101010101" charset="-122"/>
+                <a:ea typeface="圆体-简" panose="02010600040101010101" charset="-122"/>
+                <a:hlinkClick r:id="rId1" action="ppaction://hlinkfile"/>
+              </a:rPr>
+              <a:t>导入项目说明</a:t>
+            </a:r>
+            <a:endParaRPr>
+              <a:solidFill>
+                <a:schemeClr val="bg1"/>
+              </a:solidFill>
+              <a:latin typeface="圆体-简" panose="02010600040101010101" charset="-122"/>
+              <a:ea typeface="圆体-简" panose="02010600040101010101" charset="-122"/>
+            </a:endParaRPr>
+          </a:p>
+          <a:p>
+            <a:pPr algn="l">
+              <a:lnSpc>
+                <a:spcPct val="120000"/>
+              </a:lnSpc>
+            </a:pPr>
+            <a:r>
+              <a:rPr>
+                <a:solidFill>
+                  <a:schemeClr val="bg1"/>
+                </a:solidFill>
+                <a:latin typeface="圆体-简" panose="02010600040101010101" charset="-122"/>
+                <a:ea typeface="圆体-简" panose="02010600040101010101" charset="-122"/>
+              </a:rPr>
+              <a:t>1、下载项目代码到本地目录</a:t>
+            </a:r>
+            <a:r>
+              <a:rPr>
+                <a:solidFill>
+                  <a:schemeClr val="bg1"/>
+                </a:solidFill>
+                <a:latin typeface="圆体-简" panose="02010600040101010101" charset="-122"/>
+                <a:ea typeface="圆体-简" panose="02010600040101010101" charset="-122"/>
+                <a:hlinkClick r:id="rId2" action="ppaction://hlinkfile"/>
+              </a:rPr>
+              <a:t>https://github.com/chenyuanluck/ai-picture</a:t>
+            </a:r>
+            <a:endParaRPr>
+              <a:solidFill>
+                <a:schemeClr val="bg1"/>
+              </a:solidFill>
+              <a:latin typeface="圆体-简" panose="02010600040101010101" charset="-122"/>
+              <a:ea typeface="圆体-简" panose="02010600040101010101" charset="-122"/>
+            </a:endParaRPr>
+          </a:p>
+          <a:p>
+            <a:pPr algn="l">
+              <a:lnSpc>
+                <a:spcPct val="120000"/>
+              </a:lnSpc>
+            </a:pPr>
+            <a:r>
+              <a:rPr>
+                <a:solidFill>
+                  <a:schemeClr val="bg1"/>
+                </a:solidFill>
+                <a:latin typeface="圆体-简" panose="02010600040101010101" charset="-122"/>
+                <a:ea typeface="圆体-简" panose="02010600040101010101" charset="-122"/>
+              </a:rPr>
+              <a:t>2、将项目代码导入到微信开发者工具</a:t>
+            </a:r>
+            <a:endParaRPr>
+              <a:solidFill>
+                <a:schemeClr val="bg1"/>
+              </a:solidFill>
+              <a:latin typeface="圆体-简" panose="02010600040101010101" charset="-122"/>
+              <a:ea typeface="圆体-简" panose="02010600040101010101" charset="-122"/>
+            </a:endParaRPr>
+          </a:p>
+          <a:p>
+            <a:pPr algn="l">
+              <a:lnSpc>
+                <a:spcPct val="120000"/>
+              </a:lnSpc>
+            </a:pPr>
+            <a:r>
+              <a:rPr>
+                <a:solidFill>
+                  <a:schemeClr val="bg1"/>
+                </a:solidFill>
+                <a:latin typeface="圆体-简" panose="02010600040101010101" charset="-122"/>
+                <a:ea typeface="圆体-简" panose="02010600040101010101" charset="-122"/>
+              </a:rPr>
+              <a:t>3、修改小程序appId</a:t>
+            </a:r>
+            <a:endParaRPr>
+              <a:solidFill>
+                <a:schemeClr val="bg1"/>
+              </a:solidFill>
+              <a:latin typeface="圆体-简" panose="02010600040101010101" charset="-122"/>
+              <a:ea typeface="圆体-简" panose="02010600040101010101" charset="-122"/>
+            </a:endParaRPr>
+          </a:p>
+          <a:p>
+            <a:pPr algn="l">
+              <a:lnSpc>
+                <a:spcPct val="120000"/>
+              </a:lnSpc>
+            </a:pPr>
+            <a:r>
+              <a:rPr>
+                <a:solidFill>
+                  <a:schemeClr val="bg1"/>
+                </a:solidFill>
+                <a:latin typeface="圆体-简" panose="02010600040101010101" charset="-122"/>
+                <a:ea typeface="圆体-简" panose="02010600040101010101" charset="-122"/>
+              </a:rPr>
+              <a:t>4、点击开发者工具中的云开发按钮开通云开发</a:t>
+            </a:r>
+            <a:endParaRPr>
+              <a:solidFill>
+                <a:schemeClr val="bg1"/>
+              </a:solidFill>
+              <a:latin typeface="圆体-简" panose="02010600040101010101" charset="-122"/>
+              <a:ea typeface="圆体-简" panose="02010600040101010101" charset="-122"/>
+            </a:endParaRPr>
+          </a:p>
+          <a:p>
+            <a:pPr algn="l">
+              <a:lnSpc>
+                <a:spcPct val="120000"/>
+              </a:lnSpc>
+            </a:pPr>
+            <a:r>
+              <a:rPr>
+                <a:solidFill>
+                  <a:schemeClr val="bg1"/>
+                </a:solidFill>
+                <a:latin typeface="圆体-简" panose="02010600040101010101" charset="-122"/>
+                <a:ea typeface="圆体-简" panose="02010600040101010101" charset="-122"/>
+              </a:rPr>
+              <a:t>5、在'开发者工具-云开发-数据库'中创建名为'pictures'的集合</a:t>
+            </a:r>
+            <a:endParaRPr>
+              <a:solidFill>
+                <a:schemeClr val="bg1"/>
+              </a:solidFill>
+              <a:latin typeface="圆体-简" panose="02010600040101010101" charset="-122"/>
+              <a:ea typeface="圆体-简" panose="02010600040101010101" charset="-122"/>
+            </a:endParaRPr>
+          </a:p>
+          <a:p>
+            <a:pPr algn="l">
+              <a:lnSpc>
+                <a:spcPct val="120000"/>
+              </a:lnSpc>
+            </a:pPr>
+            <a:r>
+              <a:rPr>
+                <a:solidFill>
+                  <a:schemeClr val="bg1"/>
+                </a:solidFill>
+                <a:latin typeface="圆体-简" panose="02010600040101010101" charset="-122"/>
+                <a:ea typeface="圆体-简" panose="02010600040101010101" charset="-122"/>
+              </a:rPr>
+              <a:t>6、在'开发者工具-云开发-设置'中获取环境ID，填写到'/program/config.js'文件'CLOUD_ENV_ID'配置项中</a:t>
+            </a:r>
+            <a:endParaRPr>
               <a:solidFill>
                 <a:schemeClr val="bg1"/>
               </a:solidFill>
@@ -4160,41 +4078,41 @@
       </p:grpSpPr>
       <p:sp>
         <p:nvSpPr>
-          <p:cNvPr id="2" name="标题 1"/>
-          <p:cNvSpPr>
-            <a:spLocks noGrp="1"/>
-          </p:cNvSpPr>
-          <p:nvPr>
-            <p:ph type="ctrTitle"/>
+          <p:cNvPr id="3" name="副标题 2"/>
+          <p:cNvSpPr>
+            <a:spLocks noGrp="1"/>
+          </p:cNvSpPr>
+          <p:nvPr>
+            <p:ph type="subTitle" idx="1"/>
           </p:nvPr>
         </p:nvSpPr>
         <p:spPr>
           <a:xfrm>
-            <a:off x="31115" y="2223770"/>
-            <a:ext cx="9081135" cy="695960"/>
+            <a:off x="34290" y="703580"/>
+            <a:ext cx="9081135" cy="4049395"/>
           </a:xfrm>
         </p:spPr>
         <p:txBody>
           <a:bodyPr>
-            <a:normAutofit fontScale="90000"/>
+            <a:normAutofit/>
           </a:bodyPr>
           <a:p>
-            <a:pPr algn="ctr">
+            <a:pPr algn="l">
               <a:lnSpc>
-                <a:spcPct val="110000"/>
+                <a:spcPct val="120000"/>
               </a:lnSpc>
             </a:pPr>
             <a:r>
-              <a:rPr lang="zh-CN" sz="4000">
-                <a:solidFill>
-                  <a:schemeClr val="bg1"/>
-                </a:solidFill>
-                <a:latin typeface="圆体-简" panose="02010600040101010101" charset="-122"/>
-                <a:ea typeface="圆体-简" panose="02010600040101010101" charset="-122"/>
-              </a:rPr>
-              <a:t>谢谢</a:t>
-            </a:r>
-            <a:endParaRPr lang="zh-CN" sz="4000">
+              <a:rPr>
+                <a:solidFill>
+                  <a:schemeClr val="bg1"/>
+                </a:solidFill>
+                <a:latin typeface="圆体-简" panose="02010600040101010101" charset="-122"/>
+                <a:ea typeface="圆体-简" panose="02010600040101010101" charset="-122"/>
+              </a:rPr>
+              <a:t>7、在开发者工具界面中右键代码目录'/functions'选择云开发环境</a:t>
+            </a:r>
+            <a:endParaRPr>
               <a:solidFill>
                 <a:schemeClr val="bg1"/>
               </a:solidFill>
@@ -4202,8 +4120,311 @@
               <a:ea typeface="圆体-简" panose="02010600040101010101" charset="-122"/>
             </a:endParaRPr>
           </a:p>
-        </p:txBody>
-      </p:sp>
+          <a:p>
+            <a:pPr algn="l">
+              <a:lnSpc>
+                <a:spcPct val="120000"/>
+              </a:lnSpc>
+            </a:pPr>
+            <a:r>
+              <a:rPr>
+                <a:solidFill>
+                  <a:schemeClr val="bg1"/>
+                </a:solidFill>
+                <a:latin typeface="圆体-简" panose="02010600040101010101" charset="-122"/>
+                <a:ea typeface="圆体-简" panose="02010600040101010101" charset="-122"/>
+              </a:rPr>
+              <a:t>8、右键'/functions/api'选择'上传并部署'</a:t>
+            </a:r>
+            <a:endParaRPr>
+              <a:solidFill>
+                <a:schemeClr val="bg1"/>
+              </a:solidFill>
+              <a:latin typeface="圆体-简" panose="02010600040101010101" charset="-122"/>
+              <a:ea typeface="圆体-简" panose="02010600040101010101" charset="-122"/>
+            </a:endParaRPr>
+          </a:p>
+          <a:p>
+            <a:pPr algn="l">
+              <a:lnSpc>
+                <a:spcPct val="120000"/>
+              </a:lnSpc>
+            </a:pPr>
+            <a:r>
+              <a:rPr>
+                <a:solidFill>
+                  <a:schemeClr val="bg1"/>
+                </a:solidFill>
+                <a:latin typeface="圆体-简" panose="02010600040101010101" charset="-122"/>
+                <a:ea typeface="圆体-简" panose="02010600040101010101" charset="-122"/>
+              </a:rPr>
+              <a:t>9、到'开发者工具-云开发-云函数'找到名为'api'的云函数，点击设置，将超时时间改为大于10秒的数值(因为第三方api生成图片需要时间)</a:t>
+            </a:r>
+            <a:endParaRPr>
+              <a:solidFill>
+                <a:schemeClr val="bg1"/>
+              </a:solidFill>
+              <a:latin typeface="圆体-简" panose="02010600040101010101" charset="-122"/>
+              <a:ea typeface="圆体-简" panose="02010600040101010101" charset="-122"/>
+            </a:endParaRPr>
+          </a:p>
+          <a:p>
+            <a:pPr algn="l">
+              <a:lnSpc>
+                <a:spcPct val="120000"/>
+              </a:lnSpc>
+            </a:pPr>
+            <a:r>
+              <a:rPr>
+                <a:solidFill>
+                  <a:schemeClr val="bg1"/>
+                </a:solidFill>
+                <a:latin typeface="圆体-简" panose="02010600040101010101" charset="-122"/>
+                <a:ea typeface="圆体-简" panose="02010600040101010101" charset="-122"/>
+              </a:rPr>
+              <a:t>10、到腾讯AI开放平台(https://ai.qq.com/)上注册帐号-》创建应用-》接入对应能力，获取应用appId、appKey填写到'/functions/api/config.js'对应配置中</a:t>
+            </a:r>
+            <a:endParaRPr>
+              <a:solidFill>
+                <a:schemeClr val="bg1"/>
+              </a:solidFill>
+              <a:latin typeface="圆体-简" panose="02010600040101010101" charset="-122"/>
+              <a:ea typeface="圆体-简" panose="02010600040101010101" charset="-122"/>
+            </a:endParaRPr>
+          </a:p>
+          <a:p>
+            <a:pPr algn="l">
+              <a:lnSpc>
+                <a:spcPct val="120000"/>
+              </a:lnSpc>
+            </a:pPr>
+            <a:r>
+              <a:rPr>
+                <a:solidFill>
+                  <a:schemeClr val="bg1"/>
+                </a:solidFill>
+                <a:latin typeface="圆体-简" panose="02010600040101010101" charset="-122"/>
+                <a:ea typeface="圆体-简" panose="02010600040101010101" charset="-122"/>
+              </a:rPr>
+              <a:t>11、项目导入成功~</a:t>
+            </a:r>
+            <a:endParaRPr>
+              <a:solidFill>
+                <a:schemeClr val="bg1"/>
+              </a:solidFill>
+              <a:latin typeface="圆体-简" panose="02010600040101010101" charset="-122"/>
+              <a:ea typeface="圆体-简" panose="02010600040101010101" charset="-122"/>
+            </a:endParaRPr>
+          </a:p>
+        </p:txBody>
+      </p:sp>
+    </p:spTree>
+  </p:cSld>
+  <p:clrMapOvr>
+    <a:masterClrMapping/>
+  </p:clrMapOvr>
+</p:sld>
+</file>
+
+<file path=ppt/slides/slide15.xml><?xml version="1.0" encoding="utf-8"?>
+<p:sld xmlns:a="http://schemas.openxmlformats.org/drawingml/2006/main" xmlns:r="http://schemas.openxmlformats.org/officeDocument/2006/relationships" xmlns:p="http://schemas.openxmlformats.org/presentationml/2006/main">
+  <p:cSld>
+    <p:spTree>
+      <p:nvGrpSpPr>
+        <p:cNvPr id="1" name=""/>
+        <p:cNvGrpSpPr/>
+        <p:nvPr/>
+      </p:nvGrpSpPr>
+      <p:grpSpPr>
+        <a:xfrm>
+          <a:off x="0" y="0"/>
+          <a:ext cx="0" cy="0"/>
+          <a:chOff x="0" y="0"/>
+          <a:chExt cx="0" cy="0"/>
+        </a:xfrm>
+      </p:grpSpPr>
+      <p:sp>
+        <p:nvSpPr>
+          <p:cNvPr id="2" name="标题 1"/>
+          <p:cNvSpPr>
+            <a:spLocks noGrp="1"/>
+          </p:cNvSpPr>
+          <p:nvPr>
+            <p:ph type="ctrTitle"/>
+          </p:nvPr>
+        </p:nvSpPr>
+        <p:spPr>
+          <a:xfrm>
+            <a:off x="34290" y="702945"/>
+            <a:ext cx="9081135" cy="695960"/>
+          </a:xfrm>
+        </p:spPr>
+        <p:txBody>
+          <a:bodyPr>
+            <a:normAutofit fontScale="90000"/>
+          </a:bodyPr>
+          <a:p>
+            <a:pPr algn="l">
+              <a:lnSpc>
+                <a:spcPct val="110000"/>
+              </a:lnSpc>
+            </a:pPr>
+            <a:r>
+              <a:rPr sz="4000">
+                <a:solidFill>
+                  <a:schemeClr val="bg1"/>
+                </a:solidFill>
+                <a:latin typeface="圆体-简" panose="02010600040101010101" charset="-122"/>
+                <a:ea typeface="圆体-简" panose="02010600040101010101" charset="-122"/>
+              </a:rPr>
+              <a:t>九、关键代码分析</a:t>
+            </a:r>
+            <a:endParaRPr sz="4000">
+              <a:solidFill>
+                <a:schemeClr val="bg1"/>
+              </a:solidFill>
+              <a:latin typeface="圆体-简" panose="02010600040101010101" charset="-122"/>
+              <a:ea typeface="圆体-简" panose="02010600040101010101" charset="-122"/>
+            </a:endParaRPr>
+          </a:p>
+        </p:txBody>
+      </p:sp>
+    </p:spTree>
+  </p:cSld>
+  <p:clrMapOvr>
+    <a:masterClrMapping/>
+  </p:clrMapOvr>
+</p:sld>
+</file>
+
+<file path=ppt/slides/slide16.xml><?xml version="1.0" encoding="utf-8"?>
+<p:sld xmlns:a="http://schemas.openxmlformats.org/drawingml/2006/main" xmlns:r="http://schemas.openxmlformats.org/officeDocument/2006/relationships" xmlns:p="http://schemas.openxmlformats.org/presentationml/2006/main">
+  <p:cSld>
+    <p:spTree>
+      <p:nvGrpSpPr>
+        <p:cNvPr id="1" name=""/>
+        <p:cNvGrpSpPr/>
+        <p:nvPr/>
+      </p:nvGrpSpPr>
+      <p:grpSpPr>
+        <a:xfrm>
+          <a:off x="0" y="0"/>
+          <a:ext cx="0" cy="0"/>
+          <a:chOff x="0" y="0"/>
+          <a:chExt cx="0" cy="0"/>
+        </a:xfrm>
+      </p:grpSpPr>
+      <p:sp>
+        <p:nvSpPr>
+          <p:cNvPr id="3" name="副标题 2"/>
+          <p:cNvSpPr>
+            <a:spLocks noGrp="1"/>
+          </p:cNvSpPr>
+          <p:nvPr>
+            <p:ph type="subTitle" idx="1"/>
+          </p:nvPr>
+        </p:nvSpPr>
+        <p:spPr>
+          <a:xfrm>
+            <a:off x="31750" y="3885565"/>
+            <a:ext cx="9081135" cy="495300"/>
+          </a:xfrm>
+        </p:spPr>
+        <p:txBody>
+          <a:bodyPr>
+            <a:normAutofit/>
+          </a:bodyPr>
+          <a:p>
+            <a:pPr algn="ctr">
+              <a:lnSpc>
+                <a:spcPct val="120000"/>
+              </a:lnSpc>
+            </a:pPr>
+            <a:r>
+              <a:rPr lang="zh-CN" altLang="en-US">
+                <a:solidFill>
+                  <a:schemeClr val="bg1"/>
+                </a:solidFill>
+                <a:latin typeface="圆体-简" panose="02010600040101010101" charset="-122"/>
+                <a:ea typeface="圆体-简" panose="02010600040101010101" charset="-122"/>
+              </a:rPr>
+              <a:t>扫码关注</a:t>
+            </a:r>
+            <a:r>
+              <a:rPr lang="en-US" altLang="zh-CN">
+                <a:solidFill>
+                  <a:schemeClr val="bg1"/>
+                </a:solidFill>
+                <a:latin typeface="圆体-简" panose="02010600040101010101" charset="-122"/>
+                <a:ea typeface="圆体-简" panose="02010600040101010101" charset="-122"/>
+              </a:rPr>
+              <a:t>“</a:t>
+            </a:r>
+            <a:r>
+              <a:rPr lang="zh-CN" altLang="en-US">
+                <a:solidFill>
+                  <a:schemeClr val="bg1"/>
+                </a:solidFill>
+                <a:latin typeface="圆体-简" panose="02010600040101010101" charset="-122"/>
+                <a:ea typeface="圆体-简" panose="02010600040101010101" charset="-122"/>
+                <a:sym typeface="+mn-ea"/>
+              </a:rPr>
+              <a:t>WCC深圳</a:t>
+            </a:r>
+            <a:r>
+              <a:rPr lang="en-US" altLang="zh-CN">
+                <a:solidFill>
+                  <a:schemeClr val="bg1"/>
+                </a:solidFill>
+                <a:latin typeface="圆体-简" panose="02010600040101010101" charset="-122"/>
+                <a:ea typeface="圆体-简" panose="02010600040101010101" charset="-122"/>
+              </a:rPr>
+              <a:t>”</a:t>
+            </a:r>
+            <a:r>
+              <a:rPr lang="zh-CN" altLang="en-US">
+                <a:solidFill>
+                  <a:schemeClr val="bg1"/>
+                </a:solidFill>
+                <a:latin typeface="圆体-简" panose="02010600040101010101" charset="-122"/>
+                <a:ea typeface="圆体-简" panose="02010600040101010101" charset="-122"/>
+              </a:rPr>
+              <a:t>公众号</a:t>
+            </a:r>
+            <a:endParaRPr lang="zh-CN" altLang="en-US">
+              <a:solidFill>
+                <a:schemeClr val="bg1"/>
+              </a:solidFill>
+              <a:latin typeface="圆体-简" panose="02010600040101010101" charset="-122"/>
+              <a:ea typeface="圆体-简" panose="02010600040101010101" charset="-122"/>
+            </a:endParaRPr>
+          </a:p>
+        </p:txBody>
+      </p:sp>
+      <p:pic>
+        <p:nvPicPr>
+          <p:cNvPr id="2" name="图片 1"/>
+          <p:cNvPicPr>
+            <a:picLocks noChangeAspect="1"/>
+          </p:cNvPicPr>
+          <p:nvPr/>
+        </p:nvPicPr>
+        <p:blipFill>
+          <a:blip r:embed="rId1"/>
+          <a:stretch>
+            <a:fillRect/>
+          </a:stretch>
+        </p:blipFill>
+        <p:spPr>
+          <a:xfrm>
+            <a:off x="3148330" y="933450"/>
+            <a:ext cx="2797810" cy="2797810"/>
+          </a:xfrm>
+          <a:prstGeom prst="rect">
+            <a:avLst/>
+          </a:prstGeom>
+        </p:spPr>
+      </p:pic>
     </p:spTree>
   </p:cSld>
   <p:clrMapOvr>
@@ -4231,41 +4452,122 @@
       </p:grpSpPr>
       <p:sp>
         <p:nvSpPr>
-          <p:cNvPr id="2" name="标题 1"/>
-          <p:cNvSpPr>
-            <a:spLocks noGrp="1"/>
-          </p:cNvSpPr>
-          <p:nvPr>
-            <p:ph type="ctrTitle"/>
+          <p:cNvPr id="3" name="副标题 2"/>
+          <p:cNvSpPr>
+            <a:spLocks noGrp="1"/>
+          </p:cNvSpPr>
+          <p:nvPr>
+            <p:ph type="subTitle" idx="1"/>
           </p:nvPr>
         </p:nvSpPr>
         <p:spPr>
           <a:xfrm>
-            <a:off x="34290" y="702945"/>
-            <a:ext cx="9081135" cy="695960"/>
+            <a:off x="140970" y="1158875"/>
+            <a:ext cx="8597265" cy="3099435"/>
           </a:xfrm>
         </p:spPr>
         <p:txBody>
           <a:bodyPr>
-            <a:normAutofit fontScale="90000"/>
+            <a:normAutofit/>
           </a:bodyPr>
           <a:p>
             <a:pPr algn="l">
               <a:lnSpc>
-                <a:spcPct val="110000"/>
+                <a:spcPct val="120000"/>
               </a:lnSpc>
             </a:pPr>
             <a:r>
-              <a:rPr sz="4000">
-                <a:solidFill>
-                  <a:schemeClr val="bg1"/>
-                </a:solidFill>
-                <a:latin typeface="圆体-简" panose="02010600040101010101" charset="-122"/>
-                <a:ea typeface="圆体-简" panose="02010600040101010101" charset="-122"/>
-              </a:rPr>
-              <a:t>一、项目目标&amp;要求</a:t>
-            </a:r>
-            <a:endParaRPr sz="4000">
+              <a:rPr lang="en-US">
+                <a:solidFill>
+                  <a:schemeClr val="bg1"/>
+                </a:solidFill>
+                <a:latin typeface="圆体-简" panose="02010600040101010101" charset="-122"/>
+                <a:ea typeface="圆体-简" panose="02010600040101010101" charset="-122"/>
+              </a:rPr>
+              <a:t>	</a:t>
+            </a:r>
+            <a:r>
+              <a:rPr>
+                <a:solidFill>
+                  <a:schemeClr val="bg1"/>
+                </a:solidFill>
+                <a:latin typeface="圆体-简" panose="02010600040101010101" charset="-122"/>
+                <a:ea typeface="圆体-简" panose="02010600040101010101" charset="-122"/>
+              </a:rPr>
+              <a:t>本次小程序云开发城市技术圈</a:t>
+            </a:r>
+            <a:r>
+              <a:rPr lang="en-US">
+                <a:solidFill>
+                  <a:schemeClr val="bg1"/>
+                </a:solidFill>
+                <a:latin typeface="圆体-简" panose="02010600040101010101" charset="-122"/>
+                <a:ea typeface="圆体-简" panose="02010600040101010101" charset="-122"/>
+              </a:rPr>
+              <a:t>(</a:t>
+            </a:r>
+            <a:r>
+              <a:rPr>
+                <a:solidFill>
+                  <a:schemeClr val="bg1"/>
+                </a:solidFill>
+                <a:latin typeface="圆体-简" panose="02010600040101010101" charset="-122"/>
+                <a:ea typeface="圆体-简" panose="02010600040101010101" charset="-122"/>
+                <a:sym typeface="+mn-ea"/>
+              </a:rPr>
+              <a:t>深圳站</a:t>
+            </a:r>
+            <a:r>
+              <a:rPr lang="en-US">
+                <a:solidFill>
+                  <a:schemeClr val="bg1"/>
+                </a:solidFill>
+                <a:latin typeface="圆体-简" panose="02010600040101010101" charset="-122"/>
+                <a:ea typeface="圆体-简" panose="02010600040101010101" charset="-122"/>
+              </a:rPr>
+              <a:t>)</a:t>
+            </a:r>
+            <a:r>
+              <a:rPr>
+                <a:solidFill>
+                  <a:schemeClr val="bg1"/>
+                </a:solidFill>
+                <a:latin typeface="圆体-简" panose="02010600040101010101" charset="-122"/>
+                <a:ea typeface="圆体-简" panose="02010600040101010101" charset="-122"/>
+              </a:rPr>
+              <a:t>，以“云开发+AI”为主题，通过技术工作坊形式</a:t>
+            </a:r>
+            <a:r>
+              <a:rPr lang="zh-CN">
+                <a:solidFill>
+                  <a:schemeClr val="bg1"/>
+                </a:solidFill>
+                <a:latin typeface="圆体-简" panose="02010600040101010101" charset="-122"/>
+                <a:ea typeface="圆体-简" panose="02010600040101010101" charset="-122"/>
+              </a:rPr>
+              <a:t>，</a:t>
+            </a:r>
+            <a:r>
+              <a:rPr>
+                <a:solidFill>
+                  <a:schemeClr val="bg1"/>
+                </a:solidFill>
+                <a:latin typeface="圆体-简" panose="02010600040101010101" charset="-122"/>
+                <a:ea typeface="圆体-简" panose="02010600040101010101" charset="-122"/>
+              </a:rPr>
+              <a:t>带领大家完成一个美颜小程序的开发</a:t>
+            </a:r>
+            <a:r>
+              <a:rPr lang="zh-CN">
+                <a:solidFill>
+                  <a:schemeClr val="bg1"/>
+                </a:solidFill>
+                <a:latin typeface="圆体-简" panose="02010600040101010101" charset="-122"/>
+                <a:ea typeface="圆体-简" panose="02010600040101010101" charset="-122"/>
+              </a:rPr>
+              <a:t>。</a:t>
+            </a:r>
+            <a:endParaRPr lang="zh-CN">
               <a:solidFill>
                 <a:schemeClr val="bg1"/>
               </a:solidFill>
@@ -4273,28 +4575,6 @@
               <a:ea typeface="圆体-简" panose="02010600040101010101" charset="-122"/>
             </a:endParaRPr>
           </a:p>
-        </p:txBody>
-      </p:sp>
-      <p:sp>
-        <p:nvSpPr>
-          <p:cNvPr id="3" name="副标题 2"/>
-          <p:cNvSpPr>
-            <a:spLocks noGrp="1"/>
-          </p:cNvSpPr>
-          <p:nvPr>
-            <p:ph type="subTitle" idx="1"/>
-          </p:nvPr>
-        </p:nvSpPr>
-        <p:spPr>
-          <a:xfrm>
-            <a:off x="33655" y="1478915"/>
-            <a:ext cx="9081770" cy="3274060"/>
-          </a:xfrm>
-        </p:spPr>
-        <p:txBody>
-          <a:bodyPr>
-            <a:normAutofit/>
-          </a:bodyPr>
           <a:p>
             <a:pPr algn="l">
               <a:lnSpc>
@@ -4309,19 +4589,19 @@
                 <a:latin typeface="圆体-简" panose="02010600040101010101" charset="-122"/>
                 <a:ea typeface="圆体-简" panose="02010600040101010101" charset="-122"/>
               </a:rPr>
-              <a:t>1</a:t>
-            </a:r>
-            <a:r>
-              <a:rPr lang="zh-CN" altLang="en-US">
-                <a:solidFill>
-                  <a:schemeClr val="bg1"/>
-                </a:solidFill>
-                <a:latin typeface="圆体-简" panose="02010600040101010101" charset="-122"/>
-                <a:ea typeface="圆体-简" panose="02010600040101010101" charset="-122"/>
-              </a:rPr>
-              <a:t>、实现图片上传功能、人脸识别功能、人脸变妆功能、保存相片功能、查看相册功能。</a:t>
-            </a:r>
-            <a:endParaRPr lang="zh-CN" altLang="en-US">
+              <a:t>	</a:t>
+            </a:r>
+            <a:r>
+              <a:rPr>
+                <a:solidFill>
+                  <a:schemeClr val="bg1"/>
+                </a:solidFill>
+                <a:latin typeface="圆体-简" panose="02010600040101010101" charset="-122"/>
+                <a:ea typeface="圆体-简" panose="02010600040101010101" charset="-122"/>
+              </a:rPr>
+              <a:t>在项目实践中，你将体验使用无后台编程的魅力，云开发的易用便捷，同时我们也将与大家深入探讨云开发技术的价值，以及如何高效应用。</a:t>
+            </a:r>
+            <a:endParaRPr>
               <a:solidFill>
                 <a:schemeClr val="bg1"/>
               </a:solidFill>
@@ -4332,50 +4612,30 @@
           <a:p>
             <a:pPr algn="l">
               <a:lnSpc>
-                <a:spcPct val="100000"/>
+                <a:spcPct val="120000"/>
               </a:lnSpc>
             </a:pPr>
             <a:r>
-              <a:rPr lang="en-US" altLang="zh-CN">
-                <a:solidFill>
-                  <a:schemeClr val="bg1"/>
-                </a:solidFill>
-                <a:latin typeface="圆体-简" panose="02010600040101010101" charset="-122"/>
-                <a:ea typeface="圆体-简" panose="02010600040101010101" charset="-122"/>
-              </a:rPr>
-              <a:t>2</a:t>
-            </a:r>
-            <a:r>
-              <a:rPr lang="zh-CN" altLang="en-US">
-                <a:solidFill>
-                  <a:schemeClr val="bg1"/>
-                </a:solidFill>
-                <a:latin typeface="圆体-简" panose="02010600040101010101" charset="-122"/>
-                <a:ea typeface="圆体-简" panose="02010600040101010101" charset="-122"/>
-              </a:rPr>
-              <a:t>、使用小程序</a:t>
-            </a:r>
-            <a:r>
-              <a:rPr lang="en-US" altLang="zh-CN">
-                <a:solidFill>
-                  <a:schemeClr val="bg1"/>
-                </a:solidFill>
-                <a:latin typeface="圆体-简" panose="02010600040101010101" charset="-122"/>
-                <a:ea typeface="圆体-简" panose="02010600040101010101" charset="-122"/>
-              </a:rPr>
-              <a:t>&amp;</a:t>
-            </a:r>
-            <a:r>
-              <a:rPr lang="zh-CN" altLang="en-US">
-                <a:solidFill>
-                  <a:schemeClr val="bg1"/>
-                </a:solidFill>
-                <a:latin typeface="圆体-简" panose="02010600040101010101" charset="-122"/>
-                <a:ea typeface="圆体-简" panose="02010600040101010101" charset="-122"/>
-              </a:rPr>
-              <a:t>小程序云开发技术完成相关开发。</a:t>
-            </a:r>
-            <a:endParaRPr lang="zh-CN" altLang="en-US">
+              <a:rPr lang="en-US">
+                <a:solidFill>
+                  <a:schemeClr val="bg1"/>
+                </a:solidFill>
+                <a:latin typeface="圆体-简" panose="02010600040101010101" charset="-122"/>
+                <a:ea typeface="圆体-简" panose="02010600040101010101" charset="-122"/>
+              </a:rPr>
+              <a:t>	</a:t>
+            </a:r>
+            <a:r>
+              <a:rPr>
+                <a:solidFill>
+                  <a:schemeClr val="bg1"/>
+                </a:solidFill>
+                <a:latin typeface="圆体-简" panose="02010600040101010101" charset="-122"/>
+                <a:ea typeface="圆体-简" panose="02010600040101010101" charset="-122"/>
+              </a:rPr>
+              <a:t>这将是一场轻松有趣的社区活动，也是一场收获满满的技术交流会。</a:t>
+            </a:r>
+            <a:endParaRPr>
               <a:solidFill>
                 <a:schemeClr val="bg1"/>
               </a:solidFill>
@@ -4412,41 +4672,41 @@
       </p:grpSpPr>
       <p:sp>
         <p:nvSpPr>
-          <p:cNvPr id="2" name="标题 1"/>
-          <p:cNvSpPr>
-            <a:spLocks noGrp="1"/>
-          </p:cNvSpPr>
-          <p:nvPr>
-            <p:ph type="ctrTitle"/>
+          <p:cNvPr id="3" name="副标题 2"/>
+          <p:cNvSpPr>
+            <a:spLocks noGrp="1"/>
+          </p:cNvSpPr>
+          <p:nvPr>
+            <p:ph type="subTitle" idx="1"/>
           </p:nvPr>
         </p:nvSpPr>
         <p:spPr>
           <a:xfrm>
-            <a:off x="34290" y="702945"/>
-            <a:ext cx="9081135" cy="695960"/>
+            <a:off x="232410" y="2078355"/>
+            <a:ext cx="8613775" cy="918845"/>
           </a:xfrm>
         </p:spPr>
         <p:txBody>
           <a:bodyPr>
-            <a:normAutofit fontScale="90000"/>
+            <a:noAutofit/>
           </a:bodyPr>
           <a:p>
-            <a:pPr algn="l">
+            <a:pPr algn="ctr">
               <a:lnSpc>
-                <a:spcPct val="110000"/>
+                <a:spcPct val="120000"/>
               </a:lnSpc>
             </a:pPr>
             <a:r>
-              <a:rPr sz="4000">
-                <a:solidFill>
-                  <a:schemeClr val="bg1"/>
-                </a:solidFill>
-                <a:latin typeface="圆体-简" panose="02010600040101010101" charset="-122"/>
-                <a:ea typeface="圆体-简" panose="02010600040101010101" charset="-122"/>
-              </a:rPr>
-              <a:t>二、相关技能要求</a:t>
-            </a:r>
-            <a:endParaRPr sz="4000">
+              <a:rPr lang="zh-CN" altLang="en-US" sz="3600">
+                <a:solidFill>
+                  <a:schemeClr val="bg1"/>
+                </a:solidFill>
+                <a:latin typeface="圆体-简" panose="02010600040101010101" charset="-122"/>
+                <a:ea typeface="圆体-简" panose="02010600040101010101" charset="-122"/>
+              </a:rPr>
+              <a:t>分享人：陈元</a:t>
+            </a:r>
+            <a:endParaRPr lang="zh-CN" altLang="en-US" sz="3600">
               <a:solidFill>
                 <a:schemeClr val="bg1"/>
               </a:solidFill>
@@ -4458,152 +4718,226 @@
       </p:sp>
       <p:sp>
         <p:nvSpPr>
-          <p:cNvPr id="3" name="副标题 2"/>
-          <p:cNvSpPr>
-            <a:spLocks noGrp="1"/>
-          </p:cNvSpPr>
-          <p:nvPr>
-            <p:ph type="subTitle" idx="1"/>
-          </p:nvPr>
+          <p:cNvPr id="2" name="副标题 2"/>
+          <p:cNvSpPr>
+            <a:spLocks noGrp="1"/>
+          </p:cNvSpPr>
+          <p:nvPr/>
         </p:nvSpPr>
         <p:spPr>
           <a:xfrm>
-            <a:off x="33655" y="1478915"/>
-            <a:ext cx="9081770" cy="3274060"/>
+            <a:off x="5248910" y="3249295"/>
+            <a:ext cx="3659505" cy="482600"/>
           </a:xfrm>
+          <a:prstGeom prst="rect">
+            <a:avLst/>
+          </a:prstGeom>
         </p:spPr>
         <p:txBody>
-          <a:bodyPr>
+          <a:bodyPr vert="horz" lIns="91440" tIns="45720" rIns="91440" bIns="45720" rtlCol="0">
             <a:normAutofit/>
           </a:bodyPr>
-          <a:p>
-            <a:pPr algn="l">
+          <a:lstStyle>
+            <a:lvl1pPr marL="0" indent="0" algn="ctr" defTabSz="685800" rtl="0" eaLnBrk="1" latinLnBrk="0" hangingPunct="1">
+              <a:lnSpc>
+                <a:spcPct val="90000"/>
+              </a:lnSpc>
+              <a:spcBef>
+                <a:spcPts val="750"/>
+              </a:spcBef>
+              <a:buFont typeface="Arial" panose="020B0604020202090204" pitchFamily="34" charset="0"/>
+              <a:buNone/>
+              <a:defRPr sz="1800" kern="1200">
+                <a:solidFill>
+                  <a:schemeClr val="tx1"/>
+                </a:solidFill>
+                <a:latin typeface="+mn-lt"/>
+                <a:ea typeface="+mn-ea"/>
+                <a:cs typeface="+mn-cs"/>
+              </a:defRPr>
+            </a:lvl1pPr>
+            <a:lvl2pPr marL="342900" indent="0" algn="ctr" defTabSz="685800" rtl="0" eaLnBrk="1" latinLnBrk="0" hangingPunct="1">
+              <a:lnSpc>
+                <a:spcPct val="90000"/>
+              </a:lnSpc>
+              <a:spcBef>
+                <a:spcPts val="375"/>
+              </a:spcBef>
+              <a:buFont typeface="Arial" panose="020B0604020202090204" pitchFamily="34" charset="0"/>
+              <a:buNone/>
+              <a:defRPr sz="1500" kern="1200">
+                <a:solidFill>
+                  <a:schemeClr val="tx1"/>
+                </a:solidFill>
+                <a:latin typeface="+mn-lt"/>
+                <a:ea typeface="+mn-ea"/>
+                <a:cs typeface="+mn-cs"/>
+              </a:defRPr>
+            </a:lvl2pPr>
+            <a:lvl3pPr marL="685800" indent="0" algn="ctr" defTabSz="685800" rtl="0" eaLnBrk="1" latinLnBrk="0" hangingPunct="1">
+              <a:lnSpc>
+                <a:spcPct val="90000"/>
+              </a:lnSpc>
+              <a:spcBef>
+                <a:spcPts val="375"/>
+              </a:spcBef>
+              <a:buFont typeface="Arial" panose="020B0604020202090204" pitchFamily="34" charset="0"/>
+              <a:buNone/>
+              <a:defRPr sz="1350" kern="1200">
+                <a:solidFill>
+                  <a:schemeClr val="tx1"/>
+                </a:solidFill>
+                <a:latin typeface="+mn-lt"/>
+                <a:ea typeface="+mn-ea"/>
+                <a:cs typeface="+mn-cs"/>
+              </a:defRPr>
+            </a:lvl3pPr>
+            <a:lvl4pPr marL="1028700" indent="0" algn="ctr" defTabSz="685800" rtl="0" eaLnBrk="1" latinLnBrk="0" hangingPunct="1">
+              <a:lnSpc>
+                <a:spcPct val="90000"/>
+              </a:lnSpc>
+              <a:spcBef>
+                <a:spcPts val="375"/>
+              </a:spcBef>
+              <a:buFont typeface="Arial" panose="020B0604020202090204" pitchFamily="34" charset="0"/>
+              <a:buNone/>
+              <a:defRPr sz="1200" kern="1200">
+                <a:solidFill>
+                  <a:schemeClr val="tx1"/>
+                </a:solidFill>
+                <a:latin typeface="+mn-lt"/>
+                <a:ea typeface="+mn-ea"/>
+                <a:cs typeface="+mn-cs"/>
+              </a:defRPr>
+            </a:lvl4pPr>
+            <a:lvl5pPr marL="1371600" indent="0" algn="ctr" defTabSz="685800" rtl="0" eaLnBrk="1" latinLnBrk="0" hangingPunct="1">
+              <a:lnSpc>
+                <a:spcPct val="90000"/>
+              </a:lnSpc>
+              <a:spcBef>
+                <a:spcPts val="375"/>
+              </a:spcBef>
+              <a:buFont typeface="Arial" panose="020B0604020202090204" pitchFamily="34" charset="0"/>
+              <a:buNone/>
+              <a:defRPr sz="1200" kern="1200">
+                <a:solidFill>
+                  <a:schemeClr val="tx1"/>
+                </a:solidFill>
+                <a:latin typeface="+mn-lt"/>
+                <a:ea typeface="+mn-ea"/>
+                <a:cs typeface="+mn-cs"/>
+              </a:defRPr>
+            </a:lvl5pPr>
+            <a:lvl6pPr marL="1714500" indent="0" algn="ctr" defTabSz="685800" rtl="0" eaLnBrk="1" latinLnBrk="0" hangingPunct="1">
+              <a:lnSpc>
+                <a:spcPct val="90000"/>
+              </a:lnSpc>
+              <a:spcBef>
+                <a:spcPts val="375"/>
+              </a:spcBef>
+              <a:buFont typeface="Arial" panose="020B0604020202090204" pitchFamily="34" charset="0"/>
+              <a:buNone/>
+              <a:defRPr sz="1200" kern="1200">
+                <a:solidFill>
+                  <a:schemeClr val="tx1"/>
+                </a:solidFill>
+                <a:latin typeface="+mn-lt"/>
+                <a:ea typeface="+mn-ea"/>
+                <a:cs typeface="+mn-cs"/>
+              </a:defRPr>
+            </a:lvl6pPr>
+            <a:lvl7pPr marL="2057400" indent="0" algn="ctr" defTabSz="685800" rtl="0" eaLnBrk="1" latinLnBrk="0" hangingPunct="1">
+              <a:lnSpc>
+                <a:spcPct val="90000"/>
+              </a:lnSpc>
+              <a:spcBef>
+                <a:spcPts val="375"/>
+              </a:spcBef>
+              <a:buFont typeface="Arial" panose="020B0604020202090204" pitchFamily="34" charset="0"/>
+              <a:buNone/>
+              <a:defRPr sz="1200" kern="1200">
+                <a:solidFill>
+                  <a:schemeClr val="tx1"/>
+                </a:solidFill>
+                <a:latin typeface="+mn-lt"/>
+                <a:ea typeface="+mn-ea"/>
+                <a:cs typeface="+mn-cs"/>
+              </a:defRPr>
+            </a:lvl7pPr>
+            <a:lvl8pPr marL="2400300" indent="0" algn="ctr" defTabSz="685800" rtl="0" eaLnBrk="1" latinLnBrk="0" hangingPunct="1">
+              <a:lnSpc>
+                <a:spcPct val="90000"/>
+              </a:lnSpc>
+              <a:spcBef>
+                <a:spcPts val="375"/>
+              </a:spcBef>
+              <a:buFont typeface="Arial" panose="020B0604020202090204" pitchFamily="34" charset="0"/>
+              <a:buNone/>
+              <a:defRPr sz="1200" kern="1200">
+                <a:solidFill>
+                  <a:schemeClr val="tx1"/>
+                </a:solidFill>
+                <a:latin typeface="+mn-lt"/>
+                <a:ea typeface="+mn-ea"/>
+                <a:cs typeface="+mn-cs"/>
+              </a:defRPr>
+            </a:lvl8pPr>
+            <a:lvl9pPr marL="2743200" indent="0" algn="ctr" defTabSz="685800" rtl="0" eaLnBrk="1" latinLnBrk="0" hangingPunct="1">
+              <a:lnSpc>
+                <a:spcPct val="90000"/>
+              </a:lnSpc>
+              <a:spcBef>
+                <a:spcPts val="375"/>
+              </a:spcBef>
+              <a:buFont typeface="Arial" panose="020B0604020202090204" pitchFamily="34" charset="0"/>
+              <a:buNone/>
+              <a:defRPr sz="1200" kern="1200">
+                <a:solidFill>
+                  <a:schemeClr val="tx1"/>
+                </a:solidFill>
+                <a:latin typeface="+mn-lt"/>
+                <a:ea typeface="+mn-ea"/>
+                <a:cs typeface="+mn-cs"/>
+              </a:defRPr>
+            </a:lvl9pPr>
+          </a:lstStyle>
+          <a:p>
+            <a:pPr algn="ctr">
               <a:lnSpc>
                 <a:spcPct val="120000"/>
               </a:lnSpc>
             </a:pPr>
             <a:r>
-              <a:rPr>
-                <a:solidFill>
-                  <a:schemeClr val="bg1"/>
-                </a:solidFill>
-                <a:latin typeface="圆体-简" panose="02010600040101010101" charset="-122"/>
-                <a:ea typeface="圆体-简" panose="02010600040101010101" charset="-122"/>
-              </a:rPr>
-              <a:t>1、 掌握小程序基本开发技能。（</a:t>
-            </a:r>
-            <a:r>
-              <a:rPr>
-                <a:solidFill>
-                  <a:schemeClr val="bg1"/>
-                </a:solidFill>
-                <a:latin typeface="圆体-简" panose="02010600040101010101" charset="-122"/>
-                <a:ea typeface="圆体-简" panose="02010600040101010101" charset="-122"/>
-                <a:hlinkClick r:id="rId1" action="ppaction://hlinkfile"/>
-              </a:rPr>
-              <a:t>小程序简介</a:t>
-            </a:r>
-            <a:r>
-              <a:rPr>
-                <a:solidFill>
-                  <a:schemeClr val="bg1"/>
-                </a:solidFill>
-                <a:latin typeface="圆体-简" panose="02010600040101010101" charset="-122"/>
-                <a:ea typeface="圆体-简" panose="02010600040101010101" charset="-122"/>
-              </a:rPr>
-              <a:t>）</a:t>
-            </a:r>
-            <a:endParaRPr>
-              <a:solidFill>
-                <a:schemeClr val="bg1"/>
-              </a:solidFill>
-              <a:latin typeface="圆体-简" panose="02010600040101010101" charset="-122"/>
-              <a:ea typeface="圆体-简" panose="02010600040101010101" charset="-122"/>
-            </a:endParaRPr>
-          </a:p>
-          <a:p>
-            <a:pPr algn="l">
-              <a:lnSpc>
-                <a:spcPct val="120000"/>
-              </a:lnSpc>
-            </a:pPr>
-            <a:r>
-              <a:rPr>
-                <a:solidFill>
-                  <a:schemeClr val="bg1"/>
-                </a:solidFill>
-                <a:latin typeface="圆体-简" panose="02010600040101010101" charset="-122"/>
-                <a:ea typeface="圆体-简" panose="02010600040101010101" charset="-122"/>
-              </a:rPr>
-              <a:t>2、掌握小程序云开发基本技能。(</a:t>
-            </a:r>
-            <a:r>
-              <a:rPr>
-                <a:solidFill>
-                  <a:schemeClr val="bg1"/>
-                </a:solidFill>
-                <a:latin typeface="圆体-简" panose="02010600040101010101" charset="-122"/>
-                <a:ea typeface="圆体-简" panose="02010600040101010101" charset="-122"/>
-                <a:hlinkClick r:id="rId2" action="ppaction://hlinkfile"/>
-              </a:rPr>
-              <a:t>小程序云开发简介</a:t>
-            </a:r>
-            <a:r>
-              <a:rPr>
-                <a:solidFill>
-                  <a:schemeClr val="bg1"/>
-                </a:solidFill>
-                <a:latin typeface="圆体-简" panose="02010600040101010101" charset="-122"/>
-                <a:ea typeface="圆体-简" panose="02010600040101010101" charset="-122"/>
-              </a:rPr>
-              <a:t>)</a:t>
-            </a:r>
-            <a:endParaRPr>
-              <a:solidFill>
-                <a:schemeClr val="bg1"/>
-              </a:solidFill>
-              <a:latin typeface="圆体-简" panose="02010600040101010101" charset="-122"/>
-              <a:ea typeface="圆体-简" panose="02010600040101010101" charset="-122"/>
-            </a:endParaRPr>
-          </a:p>
-          <a:p>
-            <a:pPr algn="l">
-              <a:lnSpc>
-                <a:spcPct val="120000"/>
-              </a:lnSpc>
-            </a:pPr>
-            <a:r>
-              <a:rPr>
-                <a:solidFill>
-                  <a:schemeClr val="bg1"/>
-                </a:solidFill>
-                <a:latin typeface="圆体-简" panose="02010600040101010101" charset="-122"/>
-                <a:ea typeface="圆体-简" panose="02010600040101010101" charset="-122"/>
-              </a:rPr>
-              <a:t>3、掌握node.js开发能力。（</a:t>
-            </a:r>
-            <a:r>
-              <a:rPr>
-                <a:solidFill>
-                  <a:schemeClr val="bg1"/>
-                </a:solidFill>
-                <a:latin typeface="圆体-简" panose="02010600040101010101" charset="-122"/>
-                <a:ea typeface="圆体-简" panose="02010600040101010101" charset="-122"/>
-                <a:hlinkClick r:id="rId3" action="ppaction://hlinkfile"/>
-              </a:rPr>
-              <a:t>Node.js菜鸟教程</a:t>
-            </a:r>
-            <a:r>
-              <a:rPr>
-                <a:solidFill>
-                  <a:schemeClr val="bg1"/>
-                </a:solidFill>
-                <a:latin typeface="圆体-简" panose="02010600040101010101" charset="-122"/>
-                <a:ea typeface="圆体-简" panose="02010600040101010101" charset="-122"/>
-              </a:rPr>
-              <a:t>）</a:t>
-            </a:r>
-            <a:endParaRPr>
+              <a:rPr lang="zh-CN" altLang="en-US">
+                <a:solidFill>
+                  <a:schemeClr val="bg1"/>
+                </a:solidFill>
+                <a:latin typeface="圆体-简" panose="02010600040101010101" charset="-122"/>
+                <a:ea typeface="圆体-简" panose="02010600040101010101" charset="-122"/>
+              </a:rPr>
+              <a:t>一个工作五年的软件</a:t>
+            </a:r>
+            <a:r>
+              <a:rPr lang="zh-CN" altLang="en-US">
+                <a:solidFill>
+                  <a:schemeClr val="bg1"/>
+                </a:solidFill>
+                <a:latin typeface="圆体-简" panose="02010600040101010101" charset="-122"/>
+                <a:ea typeface="圆体-简" panose="02010600040101010101" charset="-122"/>
+              </a:rPr>
+              <a:t>开发</a:t>
+            </a:r>
+            <a:r>
+              <a:rPr lang="zh-CN" altLang="en-US">
+                <a:solidFill>
+                  <a:schemeClr val="bg1"/>
+                </a:solidFill>
+                <a:latin typeface="圆体-简" panose="02010600040101010101" charset="-122"/>
+                <a:ea typeface="圆体-简" panose="02010600040101010101" charset="-122"/>
+              </a:rPr>
+              <a:t>从业者</a:t>
+            </a:r>
+            <a:endParaRPr lang="zh-CN" altLang="en-US">
               <a:solidFill>
                 <a:schemeClr val="bg1"/>
               </a:solidFill>
@@ -4672,7 +5006,7 @@
                 <a:latin typeface="圆体-简" panose="02010600040101010101" charset="-122"/>
                 <a:ea typeface="圆体-简" panose="02010600040101010101" charset="-122"/>
               </a:rPr>
-              <a:t>三、技术选择初衷</a:t>
+              <a:t>一、项目目标&amp;要求</a:t>
             </a:r>
             <a:endParaRPr sz="4000">
               <a:solidFill>
@@ -4711,16 +5045,26 @@
               </a:lnSpc>
             </a:pPr>
             <a:r>
-              <a:rPr>
-                <a:solidFill>
-                  <a:schemeClr val="bg1"/>
-                </a:solidFill>
-                <a:latin typeface="圆体-简" panose="02010600040101010101" charset="-122"/>
-                <a:ea typeface="圆体-简" panose="02010600040101010101" charset="-122"/>
-              </a:rPr>
-              <a:t>1、 为什么选择小程序</a:t>
-            </a:r>
-            <a:endParaRPr>
+              <a:rPr lang="en-US" altLang="zh-CN">
+                <a:solidFill>
+                  <a:schemeClr val="bg1"/>
+                </a:solidFill>
+                <a:latin typeface="圆体-简" panose="02010600040101010101" charset="-122"/>
+                <a:ea typeface="圆体-简" panose="02010600040101010101" charset="-122"/>
+              </a:rPr>
+              <a:t>1</a:t>
+            </a:r>
+            <a:r>
+              <a:rPr lang="zh-CN" altLang="en-US">
+                <a:solidFill>
+                  <a:schemeClr val="bg1"/>
+                </a:solidFill>
+                <a:latin typeface="圆体-简" panose="02010600040101010101" charset="-122"/>
+                <a:ea typeface="圆体-简" panose="02010600040101010101" charset="-122"/>
+              </a:rPr>
+              <a:t>、实现图片上传功能、人脸识别功能、人脸变妆功能、保存相片功能、查看相册功能。</a:t>
+            </a:r>
+            <a:endParaRPr lang="zh-CN" altLang="en-US">
               <a:solidFill>
                 <a:schemeClr val="bg1"/>
               </a:solidFill>
@@ -4731,140 +5075,50 @@
           <a:p>
             <a:pPr algn="l">
               <a:lnSpc>
-                <a:spcPct val="120000"/>
+                <a:spcPct val="100000"/>
               </a:lnSpc>
             </a:pPr>
             <a:r>
-              <a:rPr>
-                <a:solidFill>
-                  <a:schemeClr val="bg1"/>
-                </a:solidFill>
-                <a:latin typeface="圆体-简" panose="02010600040101010101" charset="-122"/>
-                <a:ea typeface="圆体-简" panose="02010600040101010101" charset="-122"/>
-              </a:rPr>
-              <a:t>2、为什么选择云开发</a:t>
-            </a:r>
-            <a:endParaRPr>
-              <a:solidFill>
-                <a:schemeClr val="bg1"/>
-              </a:solidFill>
-              <a:latin typeface="圆体-简" panose="02010600040101010101" charset="-122"/>
-              <a:ea typeface="圆体-简" panose="02010600040101010101" charset="-122"/>
-            </a:endParaRPr>
-          </a:p>
-          <a:p>
-            <a:pPr algn="l">
-              <a:lnSpc>
-                <a:spcPct val="120000"/>
-              </a:lnSpc>
-            </a:pPr>
-            <a:r>
-              <a:rPr>
-                <a:solidFill>
-                  <a:schemeClr val="bg1"/>
-                </a:solidFill>
-                <a:latin typeface="圆体-简" panose="02010600040101010101" charset="-122"/>
-                <a:ea typeface="圆体-简" panose="02010600040101010101" charset="-122"/>
-              </a:rPr>
-              <a:t>	1）无需自建服务器</a:t>
-            </a:r>
-            <a:endParaRPr>
-              <a:solidFill>
-                <a:schemeClr val="bg1"/>
-              </a:solidFill>
-              <a:latin typeface="圆体-简" panose="02010600040101010101" charset="-122"/>
-              <a:ea typeface="圆体-简" panose="02010600040101010101" charset="-122"/>
-            </a:endParaRPr>
-          </a:p>
-          <a:p>
-            <a:pPr algn="l">
-              <a:lnSpc>
-                <a:spcPct val="120000"/>
-              </a:lnSpc>
-            </a:pPr>
-            <a:r>
-              <a:rPr>
-                <a:solidFill>
-                  <a:schemeClr val="bg1"/>
-                </a:solidFill>
-                <a:latin typeface="圆体-简" panose="02010600040101010101" charset="-122"/>
-                <a:ea typeface="圆体-简" panose="02010600040101010101" charset="-122"/>
-              </a:rPr>
-              <a:t>	2）无需自建数据库</a:t>
-            </a:r>
-            <a:endParaRPr>
-              <a:solidFill>
-                <a:schemeClr val="bg1"/>
-              </a:solidFill>
-              <a:latin typeface="圆体-简" panose="02010600040101010101" charset="-122"/>
-              <a:ea typeface="圆体-简" panose="02010600040101010101" charset="-122"/>
-            </a:endParaRPr>
-          </a:p>
-          <a:p>
-            <a:pPr algn="l">
-              <a:lnSpc>
-                <a:spcPct val="120000"/>
-              </a:lnSpc>
-            </a:pPr>
-            <a:r>
-              <a:rPr>
-                <a:solidFill>
-                  <a:schemeClr val="bg1"/>
-                </a:solidFill>
-                <a:latin typeface="圆体-简" panose="02010600040101010101" charset="-122"/>
-                <a:ea typeface="圆体-简" panose="02010600040101010101" charset="-122"/>
-              </a:rPr>
-              <a:t>	3）无需自建存储和 CDN</a:t>
-            </a:r>
-            <a:endParaRPr>
-              <a:solidFill>
-                <a:schemeClr val="bg1"/>
-              </a:solidFill>
-              <a:latin typeface="圆体-简" panose="02010600040101010101" charset="-122"/>
-              <a:ea typeface="圆体-简" panose="02010600040101010101" charset="-122"/>
-            </a:endParaRPr>
-          </a:p>
-          <a:p>
-            <a:pPr algn="l">
-              <a:lnSpc>
-                <a:spcPct val="120000"/>
-              </a:lnSpc>
-            </a:pPr>
-            <a:r>
-              <a:rPr>
-                <a:solidFill>
-                  <a:schemeClr val="bg1"/>
-                </a:solidFill>
-                <a:latin typeface="圆体-简" panose="02010600040101010101" charset="-122"/>
-                <a:ea typeface="圆体-简" panose="02010600040101010101" charset="-122"/>
-              </a:rPr>
-              <a:t>	4）原生微信服务集成</a:t>
-            </a:r>
-            <a:endParaRPr>
-              <a:solidFill>
-                <a:schemeClr val="bg1"/>
-              </a:solidFill>
-              <a:latin typeface="圆体-简" panose="02010600040101010101" charset="-122"/>
-              <a:ea typeface="圆体-简" panose="02010600040101010101" charset="-122"/>
-            </a:endParaRPr>
-          </a:p>
-          <a:p>
-            <a:pPr algn="l">
-              <a:lnSpc>
-                <a:spcPct val="120000"/>
-              </a:lnSpc>
-            </a:pPr>
-            <a:r>
-              <a:rPr>
-                <a:solidFill>
-                  <a:schemeClr val="bg1"/>
-                </a:solidFill>
-                <a:latin typeface="圆体-简" panose="02010600040101010101" charset="-122"/>
-                <a:ea typeface="圆体-简" panose="02010600040101010101" charset="-122"/>
-              </a:rPr>
-              <a:t>	5）综上所述，小程序云开发的优势：轻便敏捷、易于维护</a:t>
-            </a:r>
-            <a:endParaRPr>
+              <a:rPr lang="en-US" altLang="zh-CN">
+                <a:solidFill>
+                  <a:schemeClr val="bg1"/>
+                </a:solidFill>
+                <a:latin typeface="圆体-简" panose="02010600040101010101" charset="-122"/>
+                <a:ea typeface="圆体-简" panose="02010600040101010101" charset="-122"/>
+              </a:rPr>
+              <a:t>2</a:t>
+            </a:r>
+            <a:r>
+              <a:rPr lang="zh-CN" altLang="en-US">
+                <a:solidFill>
+                  <a:schemeClr val="bg1"/>
+                </a:solidFill>
+                <a:latin typeface="圆体-简" panose="02010600040101010101" charset="-122"/>
+                <a:ea typeface="圆体-简" panose="02010600040101010101" charset="-122"/>
+              </a:rPr>
+              <a:t>、使用小程序</a:t>
+            </a:r>
+            <a:r>
+              <a:rPr lang="en-US" altLang="zh-CN">
+                <a:solidFill>
+                  <a:schemeClr val="bg1"/>
+                </a:solidFill>
+                <a:latin typeface="圆体-简" panose="02010600040101010101" charset="-122"/>
+                <a:ea typeface="圆体-简" panose="02010600040101010101" charset="-122"/>
+              </a:rPr>
+              <a:t>&amp;</a:t>
+            </a:r>
+            <a:r>
+              <a:rPr lang="zh-CN" altLang="en-US">
+                <a:solidFill>
+                  <a:schemeClr val="bg1"/>
+                </a:solidFill>
+                <a:latin typeface="圆体-简" panose="02010600040101010101" charset="-122"/>
+                <a:ea typeface="圆体-简" panose="02010600040101010101" charset="-122"/>
+              </a:rPr>
+              <a:t>小程序云开发技术完成相关开发。</a:t>
+            </a:r>
+            <a:endParaRPr lang="zh-CN" altLang="en-US">
               <a:solidFill>
                 <a:schemeClr val="bg1"/>
               </a:solidFill>
@@ -4933,7 +5187,7 @@
                 <a:latin typeface="圆体-简" panose="02010600040101010101" charset="-122"/>
                 <a:ea typeface="圆体-简" panose="02010600040101010101" charset="-122"/>
               </a:rPr>
-              <a:t>四、应用演示</a:t>
+              <a:t>二、相关技能要求</a:t>
             </a:r>
             <a:endParaRPr sz="4000">
               <a:solidFill>
@@ -4979,7 +5233,7 @@
                 <a:latin typeface="圆体-简" panose="02010600040101010101" charset="-122"/>
                 <a:ea typeface="圆体-简" panose="02010600040101010101" charset="-122"/>
               </a:rPr>
-              <a:t>1、 完整项目代码地址：</a:t>
+              <a:t>1、 掌握小程序基本开发技能。（</a:t>
             </a:r>
             <a:r>
               <a:rPr>
@@ -4990,7 +5244,17 @@
                 <a:ea typeface="圆体-简" panose="02010600040101010101" charset="-122"/>
                 <a:hlinkClick r:id="rId1" action="ppaction://hlinkfile"/>
               </a:rPr>
-              <a:t>https://github.com/chenyuanluck/ai-picture</a:t>
+              <a:t>小程序简介</a:t>
+            </a:r>
+            <a:r>
+              <a:rPr>
+                <a:solidFill>
+                  <a:schemeClr val="bg1"/>
+                </a:solidFill>
+                <a:latin typeface="圆体-简" panose="02010600040101010101" charset="-122"/>
+                <a:ea typeface="圆体-简" panose="02010600040101010101" charset="-122"/>
+              </a:rPr>
+              <a:t>）</a:t>
             </a:r>
             <a:endParaRPr>
               <a:solidFill>
@@ -5014,7 +5278,73 @@
                 <a:latin typeface="圆体-简" panose="02010600040101010101" charset="-122"/>
                 <a:ea typeface="圆体-简" panose="02010600040101010101" charset="-122"/>
               </a:rPr>
-              <a:t>2、应用效果展示</a:t>
+              <a:t>2、掌握小程序云开发基本技能。(</a:t>
+            </a:r>
+            <a:r>
+              <a:rPr>
+                <a:solidFill>
+                  <a:schemeClr val="bg1"/>
+                </a:solidFill>
+                <a:latin typeface="圆体-简" panose="02010600040101010101" charset="-122"/>
+                <a:ea typeface="圆体-简" panose="02010600040101010101" charset="-122"/>
+                <a:hlinkClick r:id="rId2" action="ppaction://hlinkfile"/>
+              </a:rPr>
+              <a:t>小程序云开发简介</a:t>
+            </a:r>
+            <a:r>
+              <a:rPr>
+                <a:solidFill>
+                  <a:schemeClr val="bg1"/>
+                </a:solidFill>
+                <a:latin typeface="圆体-简" panose="02010600040101010101" charset="-122"/>
+                <a:ea typeface="圆体-简" panose="02010600040101010101" charset="-122"/>
+              </a:rPr>
+              <a:t>)</a:t>
+            </a:r>
+            <a:endParaRPr>
+              <a:solidFill>
+                <a:schemeClr val="bg1"/>
+              </a:solidFill>
+              <a:latin typeface="圆体-简" panose="02010600040101010101" charset="-122"/>
+              <a:ea typeface="圆体-简" panose="02010600040101010101" charset="-122"/>
+            </a:endParaRPr>
+          </a:p>
+          <a:p>
+            <a:pPr algn="l">
+              <a:lnSpc>
+                <a:spcPct val="120000"/>
+              </a:lnSpc>
+            </a:pPr>
+            <a:r>
+              <a:rPr>
+                <a:solidFill>
+                  <a:schemeClr val="bg1"/>
+                </a:solidFill>
+                <a:latin typeface="圆体-简" panose="02010600040101010101" charset="-122"/>
+                <a:ea typeface="圆体-简" panose="02010600040101010101" charset="-122"/>
+              </a:rPr>
+              <a:t>3、掌握node.js开发能力。（</a:t>
+            </a:r>
+            <a:r>
+              <a:rPr>
+                <a:solidFill>
+                  <a:schemeClr val="bg1"/>
+                </a:solidFill>
+                <a:latin typeface="圆体-简" panose="02010600040101010101" charset="-122"/>
+                <a:ea typeface="圆体-简" panose="02010600040101010101" charset="-122"/>
+                <a:hlinkClick r:id="rId3" action="ppaction://hlinkfile"/>
+              </a:rPr>
+              <a:t>Node.js菜鸟教程</a:t>
+            </a:r>
+            <a:r>
+              <a:rPr>
+                <a:solidFill>
+                  <a:schemeClr val="bg1"/>
+                </a:solidFill>
+                <a:latin typeface="圆体-简" panose="02010600040101010101" charset="-122"/>
+                <a:ea typeface="圆体-简" panose="02010600040101010101" charset="-122"/>
+              </a:rPr>
+              <a:t>）</a:t>
             </a:r>
             <a:endParaRPr>
               <a:solidFill>
@@ -5085,7 +5415,7 @@
                 <a:latin typeface="圆体-简" panose="02010600040101010101" charset="-122"/>
                 <a:ea typeface="圆体-简" panose="02010600040101010101" charset="-122"/>
               </a:rPr>
-              <a:t>五、应用流程简介</a:t>
+              <a:t>三、技术选择初衷</a:t>
             </a:r>
             <a:endParaRPr sz="4000">
               <a:solidFill>
@@ -5115,7 +5445,7 @@
         </p:spPr>
         <p:txBody>
           <a:bodyPr>
-            <a:normAutofit lnSpcReduction="10000"/>
+            <a:normAutofit/>
           </a:bodyPr>
           <a:p>
             <a:pPr algn="l">
@@ -5131,7 +5461,7 @@
                 <a:latin typeface="圆体-简" panose="02010600040101010101" charset="-122"/>
                 <a:ea typeface="圆体-简" panose="02010600040101010101" charset="-122"/>
               </a:rPr>
-              <a:t>1、 对小程序和云函数进行处理，实现一个云函数实现多个不同业务功能(服务接口)。</a:t>
+              <a:t>1、 为什么选择小程序</a:t>
             </a:r>
             <a:endParaRPr>
               <a:solidFill>
@@ -5155,34 +5485,7 @@
                 <a:latin typeface="圆体-简" panose="02010600040101010101" charset="-122"/>
                 <a:ea typeface="圆体-简" panose="02010600040101010101" charset="-122"/>
               </a:rPr>
-              <a:t>2、在云函数中调用</a:t>
-            </a:r>
-            <a:r>
-              <a:rPr>
-                <a:solidFill>
-                  <a:schemeClr val="bg1"/>
-                </a:solidFill>
-                <a:effectLst>
-                  <a:outerShdw blurRad="38100" dist="25400" dir="5400000" algn="ctr" rotWithShape="0">
-                    <a:srgbClr val="6E747A">
-                      <a:alpha val="43000"/>
-                    </a:srgbClr>
-                  </a:outerShdw>
-                </a:effectLst>
-                <a:latin typeface="圆体-简" panose="02010600040101010101" charset="-122"/>
-                <a:ea typeface="圆体-简" panose="02010600040101010101" charset="-122"/>
-              </a:rPr>
-              <a:t>腾讯AI-人脸识别</a:t>
-            </a:r>
-            <a:r>
-              <a:rPr>
-                <a:solidFill>
-                  <a:schemeClr val="bg1"/>
-                </a:solidFill>
-                <a:latin typeface="圆体-简" panose="02010600040101010101" charset="-122"/>
-                <a:ea typeface="圆体-简" panose="02010600040101010101" charset="-122"/>
-              </a:rPr>
-              <a:t>相关api接口实现人脸识别、人脸变妆两个接口服务。增加对集合的操作，实现照片保存、分页获取我的图片列表接口服务。</a:t>
+              <a:t>2、为什么选择云开发</a:t>
             </a:r>
             <a:endParaRPr>
               <a:solidFill>
@@ -5206,34 +5509,7 @@
                 <a:latin typeface="圆体-简" panose="02010600040101010101" charset="-122"/>
                 <a:ea typeface="圆体-简" panose="02010600040101010101" charset="-122"/>
               </a:rPr>
-              <a:t>3、调用</a:t>
-            </a:r>
-            <a:r>
-              <a:rPr>
-                <a:solidFill>
-                  <a:schemeClr val="bg1"/>
-                </a:solidFill>
-                <a:effectLst>
-                  <a:outerShdw blurRad="38100" dist="25400" dir="5400000" algn="ctr" rotWithShape="0">
-                    <a:srgbClr val="6E747A">
-                      <a:alpha val="43000"/>
-                    </a:srgbClr>
-                  </a:outerShdw>
-                </a:effectLst>
-                <a:latin typeface="圆体-简" panose="02010600040101010101" charset="-122"/>
-                <a:ea typeface="圆体-简" panose="02010600040101010101" charset="-122"/>
-              </a:rPr>
-              <a:t>小程序端云开发api</a:t>
-            </a:r>
-            <a:r>
-              <a:rPr>
-                <a:solidFill>
-                  <a:schemeClr val="bg1"/>
-                </a:solidFill>
-                <a:latin typeface="圆体-简" panose="02010600040101010101" charset="-122"/>
-                <a:ea typeface="圆体-简" panose="02010600040101010101" charset="-122"/>
-              </a:rPr>
-              <a:t>，实现上传本地图片到云存储。</a:t>
+              <a:t>	1）无需自建服务器</a:t>
             </a:r>
             <a:endParaRPr>
               <a:solidFill>
@@ -5257,7 +5533,7 @@
                 <a:latin typeface="圆体-简" panose="02010600040101010101" charset="-122"/>
                 <a:ea typeface="圆体-简" panose="02010600040101010101" charset="-122"/>
               </a:rPr>
-              <a:t>4、调用人脸识别接口服务，识别图片是否包含人脸图片。</a:t>
+              <a:t>	2）无需自建数据库</a:t>
             </a:r>
             <a:endParaRPr>
               <a:solidFill>
@@ -5281,7 +5557,7 @@
                 <a:latin typeface="圆体-简" panose="02010600040101010101" charset="-122"/>
                 <a:ea typeface="圆体-简" panose="02010600040101010101" charset="-122"/>
               </a:rPr>
-              <a:t>5、调用人脸变妆接口服务，对人脸图片进行处理。</a:t>
+              <a:t>	3）无需自建存储和 CDN</a:t>
             </a:r>
             <a:endParaRPr>
               <a:solidFill>
@@ -5305,7 +5581,7 @@
                 <a:latin typeface="圆体-简" panose="02010600040101010101" charset="-122"/>
                 <a:ea typeface="圆体-简" panose="02010600040101010101" charset="-122"/>
               </a:rPr>
-              <a:t>6、调用照片保存接口，保存处理好的图片地址到相册集合。</a:t>
+              <a:t>	4）原生微信服务集成</a:t>
             </a:r>
             <a:endParaRPr>
               <a:solidFill>
@@ -5329,7 +5605,7 @@
                 <a:latin typeface="圆体-简" panose="02010600040101010101" charset="-122"/>
                 <a:ea typeface="圆体-简" panose="02010600040101010101" charset="-122"/>
               </a:rPr>
-              <a:t>7、调用获取我的相册列表接口，获取数据显示照片在前端，实现查看相册功能。</a:t>
+              <a:t>	5）综上所述，小程序云开发的优势：轻便敏捷、易于维护</a:t>
             </a:r>
             <a:endParaRPr>
               <a:solidFill>
@@ -5400,9 +5676,90 @@
                 <a:latin typeface="圆体-简" panose="02010600040101010101" charset="-122"/>
                 <a:ea typeface="圆体-简" panose="02010600040101010101" charset="-122"/>
               </a:rPr>
-              <a:t>六、应用架构</a:t>
+              <a:t>四、应用演示</a:t>
             </a:r>
             <a:endParaRPr sz="4000">
+              <a:solidFill>
+                <a:schemeClr val="bg1"/>
+              </a:solidFill>
+              <a:latin typeface="圆体-简" panose="02010600040101010101" charset="-122"/>
+              <a:ea typeface="圆体-简" panose="02010600040101010101" charset="-122"/>
+            </a:endParaRPr>
+          </a:p>
+        </p:txBody>
+      </p:sp>
+      <p:sp>
+        <p:nvSpPr>
+          <p:cNvPr id="3" name="副标题 2"/>
+          <p:cNvSpPr>
+            <a:spLocks noGrp="1"/>
+          </p:cNvSpPr>
+          <p:nvPr>
+            <p:ph type="subTitle" idx="1"/>
+          </p:nvPr>
+        </p:nvSpPr>
+        <p:spPr>
+          <a:xfrm>
+            <a:off x="33655" y="1478915"/>
+            <a:ext cx="9081770" cy="3274060"/>
+          </a:xfrm>
+        </p:spPr>
+        <p:txBody>
+          <a:bodyPr>
+            <a:normAutofit/>
+          </a:bodyPr>
+          <a:p>
+            <a:pPr algn="l">
+              <a:lnSpc>
+                <a:spcPct val="120000"/>
+              </a:lnSpc>
+            </a:pPr>
+            <a:r>
+              <a:rPr>
+                <a:solidFill>
+                  <a:schemeClr val="bg1"/>
+                </a:solidFill>
+                <a:latin typeface="圆体-简" panose="02010600040101010101" charset="-122"/>
+                <a:ea typeface="圆体-简" panose="02010600040101010101" charset="-122"/>
+              </a:rPr>
+              <a:t>1、 完整项目代码地址：</a:t>
+            </a:r>
+            <a:r>
+              <a:rPr>
+                <a:solidFill>
+                  <a:schemeClr val="bg1"/>
+                </a:solidFill>
+                <a:latin typeface="圆体-简" panose="02010600040101010101" charset="-122"/>
+                <a:ea typeface="圆体-简" panose="02010600040101010101" charset="-122"/>
+                <a:hlinkClick r:id="rId1" action="ppaction://hlinkfile"/>
+              </a:rPr>
+              <a:t>https://github.com/chenyuanluck/ai-picture</a:t>
+            </a:r>
+            <a:endParaRPr>
+              <a:solidFill>
+                <a:schemeClr val="bg1"/>
+              </a:solidFill>
+              <a:latin typeface="圆体-简" panose="02010600040101010101" charset="-122"/>
+              <a:ea typeface="圆体-简" panose="02010600040101010101" charset="-122"/>
+            </a:endParaRPr>
+          </a:p>
+          <a:p>
+            <a:pPr algn="l">
+              <a:lnSpc>
+                <a:spcPct val="120000"/>
+              </a:lnSpc>
+            </a:pPr>
+            <a:r>
+              <a:rPr>
+                <a:solidFill>
+                  <a:schemeClr val="bg1"/>
+                </a:solidFill>
+                <a:latin typeface="圆体-简" panose="02010600040101010101" charset="-122"/>
+                <a:ea typeface="圆体-简" panose="02010600040101010101" charset="-122"/>
+              </a:rPr>
+              <a:t>2、应用效果展示</a:t>
+            </a:r>
+            <a:endParaRPr>
               <a:solidFill>
                 <a:schemeClr val="bg1"/>
               </a:solidFill>
@@ -5437,30 +5794,296 @@
           <a:chExt cx="0" cy="0"/>
         </a:xfrm>
       </p:grpSpPr>
-      <p:pic>
-        <p:nvPicPr>
-          <p:cNvPr id="7" name="图片 6" descr="美颜小程序架构图"/>
-          <p:cNvPicPr>
-            <a:picLocks noChangeAspect="1"/>
-          </p:cNvPicPr>
-          <p:nvPr/>
-        </p:nvPicPr>
-        <p:blipFill>
-          <a:blip r:embed="rId1"/>
-          <a:stretch>
-            <a:fillRect/>
-          </a:stretch>
-        </p:blipFill>
+      <p:sp>
+        <p:nvSpPr>
+          <p:cNvPr id="2" name="标题 1"/>
+          <p:cNvSpPr>
+            <a:spLocks noGrp="1"/>
+          </p:cNvSpPr>
+          <p:nvPr>
+            <p:ph type="ctrTitle"/>
+          </p:nvPr>
+        </p:nvSpPr>
         <p:spPr>
           <a:xfrm>
-            <a:off x="1737995" y="11430"/>
-            <a:ext cx="5532120" cy="5117465"/>
+            <a:off x="34290" y="702945"/>
+            <a:ext cx="9081135" cy="695960"/>
           </a:xfrm>
-          <a:prstGeom prst="rect">
-            <a:avLst/>
-          </a:prstGeom>
         </p:spPr>
-      </p:pic>
+        <p:txBody>
+          <a:bodyPr>
+            <a:normAutofit fontScale="90000"/>
+          </a:bodyPr>
+          <a:p>
+            <a:pPr algn="l">
+              <a:lnSpc>
+                <a:spcPct val="110000"/>
+              </a:lnSpc>
+            </a:pPr>
+            <a:r>
+              <a:rPr sz="4000">
+                <a:solidFill>
+                  <a:schemeClr val="bg1"/>
+                </a:solidFill>
+                <a:latin typeface="圆体-简" panose="02010600040101010101" charset="-122"/>
+                <a:ea typeface="圆体-简" panose="02010600040101010101" charset="-122"/>
+              </a:rPr>
+              <a:t>五、应用流程简介</a:t>
+            </a:r>
+            <a:endParaRPr sz="4000">
+              <a:solidFill>
+                <a:schemeClr val="bg1"/>
+              </a:solidFill>
+              <a:latin typeface="圆体-简" panose="02010600040101010101" charset="-122"/>
+              <a:ea typeface="圆体-简" panose="02010600040101010101" charset="-122"/>
+            </a:endParaRPr>
+          </a:p>
+        </p:txBody>
+      </p:sp>
+      <p:sp>
+        <p:nvSpPr>
+          <p:cNvPr id="3" name="副标题 2"/>
+          <p:cNvSpPr>
+            <a:spLocks noGrp="1"/>
+          </p:cNvSpPr>
+          <p:nvPr>
+            <p:ph type="subTitle" idx="1"/>
+          </p:nvPr>
+        </p:nvSpPr>
+        <p:spPr>
+          <a:xfrm>
+            <a:off x="33655" y="1478915"/>
+            <a:ext cx="9081770" cy="3274060"/>
+          </a:xfrm>
+        </p:spPr>
+        <p:txBody>
+          <a:bodyPr>
+            <a:normAutofit lnSpcReduction="10000"/>
+          </a:bodyPr>
+          <a:p>
+            <a:pPr algn="l">
+              <a:lnSpc>
+                <a:spcPct val="120000"/>
+              </a:lnSpc>
+            </a:pPr>
+            <a:r>
+              <a:rPr>
+                <a:solidFill>
+                  <a:schemeClr val="bg1"/>
+                </a:solidFill>
+                <a:latin typeface="圆体-简" panose="02010600040101010101" charset="-122"/>
+                <a:ea typeface="圆体-简" panose="02010600040101010101" charset="-122"/>
+              </a:rPr>
+              <a:t>1、 对小程序和云函数进行处理，实现一个云函数实现多个不同业务功能(服务接口)。</a:t>
+            </a:r>
+            <a:endParaRPr>
+              <a:solidFill>
+                <a:schemeClr val="bg1"/>
+              </a:solidFill>
+              <a:latin typeface="圆体-简" panose="02010600040101010101" charset="-122"/>
+              <a:ea typeface="圆体-简" panose="02010600040101010101" charset="-122"/>
+            </a:endParaRPr>
+          </a:p>
+          <a:p>
+            <a:pPr algn="l">
+              <a:lnSpc>
+                <a:spcPct val="120000"/>
+              </a:lnSpc>
+            </a:pPr>
+            <a:r>
+              <a:rPr>
+                <a:solidFill>
+                  <a:schemeClr val="bg1"/>
+                </a:solidFill>
+                <a:latin typeface="圆体-简" panose="02010600040101010101" charset="-122"/>
+                <a:ea typeface="圆体-简" panose="02010600040101010101" charset="-122"/>
+              </a:rPr>
+              <a:t>2、在云函数中调用</a:t>
+            </a:r>
+            <a:r>
+              <a:rPr>
+                <a:solidFill>
+                  <a:schemeClr val="bg1"/>
+                </a:solidFill>
+                <a:effectLst>
+                  <a:outerShdw blurRad="38100" dist="25400" dir="5400000" algn="ctr" rotWithShape="0">
+                    <a:srgbClr val="6E747A">
+                      <a:alpha val="43000"/>
+                    </a:srgbClr>
+                  </a:outerShdw>
+                </a:effectLst>
+                <a:latin typeface="圆体-简" panose="02010600040101010101" charset="-122"/>
+                <a:ea typeface="圆体-简" panose="02010600040101010101" charset="-122"/>
+              </a:rPr>
+              <a:t>腾讯AI-人脸识别</a:t>
+            </a:r>
+            <a:r>
+              <a:rPr>
+                <a:solidFill>
+                  <a:schemeClr val="bg1"/>
+                </a:solidFill>
+                <a:latin typeface="圆体-简" panose="02010600040101010101" charset="-122"/>
+                <a:ea typeface="圆体-简" panose="02010600040101010101" charset="-122"/>
+              </a:rPr>
+              <a:t>相关api接口实现人脸识别、人脸变妆两个接口服务。增加对集合的操作，实现照片保存、分页获取我的图片列表接口服务。</a:t>
+            </a:r>
+            <a:endParaRPr>
+              <a:solidFill>
+                <a:schemeClr val="bg1"/>
+              </a:solidFill>
+              <a:latin typeface="圆体-简" panose="02010600040101010101" charset="-122"/>
+              <a:ea typeface="圆体-简" panose="02010600040101010101" charset="-122"/>
+            </a:endParaRPr>
+          </a:p>
+          <a:p>
+            <a:pPr algn="l">
+              <a:lnSpc>
+                <a:spcPct val="120000"/>
+              </a:lnSpc>
+            </a:pPr>
+            <a:r>
+              <a:rPr>
+                <a:solidFill>
+                  <a:schemeClr val="bg1"/>
+                </a:solidFill>
+                <a:latin typeface="圆体-简" panose="02010600040101010101" charset="-122"/>
+                <a:ea typeface="圆体-简" panose="02010600040101010101" charset="-122"/>
+              </a:rPr>
+              <a:t>3、调用</a:t>
+            </a:r>
+            <a:r>
+              <a:rPr>
+                <a:solidFill>
+                  <a:schemeClr val="bg1"/>
+                </a:solidFill>
+                <a:effectLst>
+                  <a:outerShdw blurRad="38100" dist="25400" dir="5400000" algn="ctr" rotWithShape="0">
+                    <a:srgbClr val="6E747A">
+                      <a:alpha val="43000"/>
+                    </a:srgbClr>
+                  </a:outerShdw>
+                </a:effectLst>
+                <a:latin typeface="圆体-简" panose="02010600040101010101" charset="-122"/>
+                <a:ea typeface="圆体-简" panose="02010600040101010101" charset="-122"/>
+              </a:rPr>
+              <a:t>小程序端云开发api</a:t>
+            </a:r>
+            <a:r>
+              <a:rPr>
+                <a:solidFill>
+                  <a:schemeClr val="bg1"/>
+                </a:solidFill>
+                <a:latin typeface="圆体-简" panose="02010600040101010101" charset="-122"/>
+                <a:ea typeface="圆体-简" panose="02010600040101010101" charset="-122"/>
+              </a:rPr>
+              <a:t>，实现上传本地图片到云存储。</a:t>
+            </a:r>
+            <a:endParaRPr>
+              <a:solidFill>
+                <a:schemeClr val="bg1"/>
+              </a:solidFill>
+              <a:latin typeface="圆体-简" panose="02010600040101010101" charset="-122"/>
+              <a:ea typeface="圆体-简" panose="02010600040101010101" charset="-122"/>
+            </a:endParaRPr>
+          </a:p>
+          <a:p>
+            <a:pPr algn="l">
+              <a:lnSpc>
+                <a:spcPct val="120000"/>
+              </a:lnSpc>
+            </a:pPr>
+            <a:r>
+              <a:rPr>
+                <a:solidFill>
+                  <a:schemeClr val="bg1"/>
+                </a:solidFill>
+                <a:latin typeface="圆体-简" panose="02010600040101010101" charset="-122"/>
+                <a:ea typeface="圆体-简" panose="02010600040101010101" charset="-122"/>
+              </a:rPr>
+              <a:t>4、调用人脸识别接口服务，识别图片是否包含人脸图片。</a:t>
+            </a:r>
+            <a:endParaRPr>
+              <a:solidFill>
+                <a:schemeClr val="bg1"/>
+              </a:solidFill>
+              <a:latin typeface="圆体-简" panose="02010600040101010101" charset="-122"/>
+              <a:ea typeface="圆体-简" panose="02010600040101010101" charset="-122"/>
+            </a:endParaRPr>
+          </a:p>
+          <a:p>
+            <a:pPr algn="l">
+              <a:lnSpc>
+                <a:spcPct val="120000"/>
+              </a:lnSpc>
+            </a:pPr>
+            <a:r>
+              <a:rPr>
+                <a:solidFill>
+                  <a:schemeClr val="bg1"/>
+                </a:solidFill>
+                <a:latin typeface="圆体-简" panose="02010600040101010101" charset="-122"/>
+                <a:ea typeface="圆体-简" panose="02010600040101010101" charset="-122"/>
+              </a:rPr>
+              <a:t>5、调用人脸变妆接口服务，对人脸图片进行处理。</a:t>
+            </a:r>
+            <a:endParaRPr>
+              <a:solidFill>
+                <a:schemeClr val="bg1"/>
+              </a:solidFill>
+              <a:latin typeface="圆体-简" panose="02010600040101010101" charset="-122"/>
+              <a:ea typeface="圆体-简" panose="02010600040101010101" charset="-122"/>
+            </a:endParaRPr>
+          </a:p>
+          <a:p>
+            <a:pPr algn="l">
+              <a:lnSpc>
+                <a:spcPct val="120000"/>
+              </a:lnSpc>
+            </a:pPr>
+            <a:r>
+              <a:rPr>
+                <a:solidFill>
+                  <a:schemeClr val="bg1"/>
+                </a:solidFill>
+                <a:latin typeface="圆体-简" panose="02010600040101010101" charset="-122"/>
+                <a:ea typeface="圆体-简" panose="02010600040101010101" charset="-122"/>
+              </a:rPr>
+              <a:t>6、调用照片保存接口，保存处理好的图片地址到相册集合。</a:t>
+            </a:r>
+            <a:endParaRPr>
+              <a:solidFill>
+                <a:schemeClr val="bg1"/>
+              </a:solidFill>
+              <a:latin typeface="圆体-简" panose="02010600040101010101" charset="-122"/>
+              <a:ea typeface="圆体-简" panose="02010600040101010101" charset="-122"/>
+            </a:endParaRPr>
+          </a:p>
+          <a:p>
+            <a:pPr algn="l">
+              <a:lnSpc>
+                <a:spcPct val="120000"/>
+              </a:lnSpc>
+            </a:pPr>
+            <a:r>
+              <a:rPr>
+                <a:solidFill>
+                  <a:schemeClr val="bg1"/>
+                </a:solidFill>
+                <a:latin typeface="圆体-简" panose="02010600040101010101" charset="-122"/>
+                <a:ea typeface="圆体-简" panose="02010600040101010101" charset="-122"/>
+              </a:rPr>
+              <a:t>7、调用获取我的相册列表接口，获取数据显示照片在前端，实现查看相册功能。</a:t>
+            </a:r>
+            <a:endParaRPr>
+              <a:solidFill>
+                <a:schemeClr val="bg1"/>
+              </a:solidFill>
+              <a:latin typeface="圆体-简" panose="02010600040101010101" charset="-122"/>
+              <a:ea typeface="圆体-简" panose="02010600040101010101" charset="-122"/>
+            </a:endParaRPr>
+          </a:p>
+        </p:txBody>
+      </p:sp>
     </p:spTree>
   </p:cSld>
   <p:clrMapOvr>
@@ -5520,55 +6143,9 @@
                 <a:latin typeface="圆体-简" panose="02010600040101010101" charset="-122"/>
                 <a:ea typeface="圆体-简" panose="02010600040101010101" charset="-122"/>
               </a:rPr>
-              <a:t>七、代码目录结构</a:t>
+              <a:t>六、应用架构</a:t>
             </a:r>
             <a:endParaRPr sz="4000">
-              <a:solidFill>
-                <a:schemeClr val="bg1"/>
-              </a:solidFill>
-              <a:latin typeface="圆体-简" panose="02010600040101010101" charset="-122"/>
-              <a:ea typeface="圆体-简" panose="02010600040101010101" charset="-122"/>
-            </a:endParaRPr>
-          </a:p>
-        </p:txBody>
-      </p:sp>
-      <p:sp>
-        <p:nvSpPr>
-          <p:cNvPr id="3" name="副标题 2"/>
-          <p:cNvSpPr>
-            <a:spLocks noGrp="1"/>
-          </p:cNvSpPr>
-          <p:nvPr>
-            <p:ph type="subTitle" idx="1"/>
-          </p:nvPr>
-        </p:nvSpPr>
-        <p:spPr>
-          <a:xfrm>
-            <a:off x="33655" y="1478915"/>
-            <a:ext cx="9081770" cy="3274060"/>
-          </a:xfrm>
-        </p:spPr>
-        <p:txBody>
-          <a:bodyPr>
-            <a:normAutofit/>
-          </a:bodyPr>
-          <a:p>
-            <a:pPr algn="l">
-              <a:lnSpc>
-                <a:spcPct val="120000"/>
-              </a:lnSpc>
-            </a:pPr>
-            <a:r>
-              <a:rPr>
-                <a:solidFill>
-                  <a:schemeClr val="bg1"/>
-                </a:solidFill>
-                <a:latin typeface="圆体-简" panose="02010600040101010101" charset="-122"/>
-                <a:ea typeface="圆体-简" panose="02010600040101010101" charset="-122"/>
-              </a:rPr>
-              <a:t>1、 主要分为两个目录，functions、program。一个存放前端文件，一个存放云函数(类似“后端”)文件</a:t>
-            </a:r>
-            <a:endParaRPr>
               <a:solidFill>
                 <a:schemeClr val="bg1"/>
               </a:solidFill>
